--- a/15-Cenarios Operacionais.pptx
+++ b/15-Cenarios Operacionais.pptx
@@ -9,7 +9,6 @@
     <p:sldId id="258" r:id="rId3"/>
     <p:sldId id="259" r:id="rId4"/>
     <p:sldId id="260" r:id="rId5"/>
-    <p:sldId id="262" r:id="rId6"/>
   </p:sldIdLst>
   <p:sldSz cx="12192000" cy="6858000"/>
   <p:notesSz cx="6858000" cy="9144000"/>
@@ -110,7 +109,7 @@
   </p:defaultTextStyle>
   <p:extLst>
     <p:ext uri="{EFAFB233-063F-42B5-8137-9DF3F51BA10A}">
-      <p15:sldGuideLst xmlns:p15="http://schemas.microsoft.com/office/powerpoint/2012/main" xmlns=""/>
+      <p15:sldGuideLst xmlns="" xmlns:p15="http://schemas.microsoft.com/office/powerpoint/2012/main"/>
     </p:ext>
   </p:extLst>
 </p:presentation>
@@ -138,7 +137,7 @@
           <p:cNvPr id="2" name="Título 1">
             <a:extLst>
               <a:ext uri="{FF2B5EF4-FFF2-40B4-BE49-F238E27FC236}">
-                <a16:creationId xmlns:a16="http://schemas.microsoft.com/office/drawing/2014/main" xmlns="" id="{17E58FB8-7EE7-41FB-B8BE-09B64D4E6375}"/>
+                <a16:creationId xmlns="" xmlns:a16="http://schemas.microsoft.com/office/drawing/2014/main" id="{17E58FB8-7EE7-41FB-B8BE-09B64D4E6375}"/>
               </a:ext>
             </a:extLst>
           </p:cNvPr>
@@ -175,7 +174,7 @@
           <p:cNvPr id="3" name="Subtítulo 2">
             <a:extLst>
               <a:ext uri="{FF2B5EF4-FFF2-40B4-BE49-F238E27FC236}">
-                <a16:creationId xmlns:a16="http://schemas.microsoft.com/office/drawing/2014/main" xmlns="" id="{FBEDC962-2F3B-4C54-8438-2C9B8F3BC7F2}"/>
+                <a16:creationId xmlns="" xmlns:a16="http://schemas.microsoft.com/office/drawing/2014/main" id="{FBEDC962-2F3B-4C54-8438-2C9B8F3BC7F2}"/>
               </a:ext>
             </a:extLst>
           </p:cNvPr>
@@ -245,7 +244,7 @@
           <p:cNvPr id="4" name="Espaço Reservado para Data 3">
             <a:extLst>
               <a:ext uri="{FF2B5EF4-FFF2-40B4-BE49-F238E27FC236}">
-                <a16:creationId xmlns:a16="http://schemas.microsoft.com/office/drawing/2014/main" xmlns="" id="{F6B2E5C1-55AD-454D-88D0-6452423C94C2}"/>
+                <a16:creationId xmlns="" xmlns:a16="http://schemas.microsoft.com/office/drawing/2014/main" id="{F6B2E5C1-55AD-454D-88D0-6452423C94C2}"/>
               </a:ext>
             </a:extLst>
           </p:cNvPr>
@@ -264,7 +263,7 @@
             <a:fld id="{338CCB33-BDEC-4E1F-A92B-E95B04E3FF8A}" type="datetimeFigureOut">
               <a:rPr lang="pt-BR" smtClean="0"/>
               <a:pPr/>
-              <a:t>16/05/2019</a:t>
+              <a:t>21/05/2019</a:t>
             </a:fld>
             <a:endParaRPr lang="pt-BR"/>
           </a:p>
@@ -275,7 +274,7 @@
           <p:cNvPr id="5" name="Espaço Reservado para Rodapé 4">
             <a:extLst>
               <a:ext uri="{FF2B5EF4-FFF2-40B4-BE49-F238E27FC236}">
-                <a16:creationId xmlns:a16="http://schemas.microsoft.com/office/drawing/2014/main" xmlns="" id="{DF49A814-9D0E-419D-949D-99B71964A081}"/>
+                <a16:creationId xmlns="" xmlns:a16="http://schemas.microsoft.com/office/drawing/2014/main" id="{DF49A814-9D0E-419D-949D-99B71964A081}"/>
               </a:ext>
             </a:extLst>
           </p:cNvPr>
@@ -300,7 +299,7 @@
           <p:cNvPr id="6" name="Espaço Reservado para Número de Slide 5">
             <a:extLst>
               <a:ext uri="{FF2B5EF4-FFF2-40B4-BE49-F238E27FC236}">
-                <a16:creationId xmlns:a16="http://schemas.microsoft.com/office/drawing/2014/main" xmlns="" id="{5EE344E3-BBF2-4211-803F-3E06CF917BA4}"/>
+                <a16:creationId xmlns="" xmlns:a16="http://schemas.microsoft.com/office/drawing/2014/main" id="{5EE344E3-BBF2-4211-803F-3E06CF917BA4}"/>
               </a:ext>
             </a:extLst>
           </p:cNvPr>
@@ -328,7 +327,7 @@
     </p:spTree>
     <p:extLst>
       <p:ext uri="{BB962C8B-B14F-4D97-AF65-F5344CB8AC3E}">
-        <p14:creationId xmlns:p14="http://schemas.microsoft.com/office/powerpoint/2010/main" xmlns="" val="2513716046"/>
+        <p14:creationId xmlns="" xmlns:p14="http://schemas.microsoft.com/office/powerpoint/2010/main" val="2513716046"/>
       </p:ext>
     </p:extLst>
   </p:cSld>
@@ -360,7 +359,7 @@
           <p:cNvPr id="2" name="Título 1">
             <a:extLst>
               <a:ext uri="{FF2B5EF4-FFF2-40B4-BE49-F238E27FC236}">
-                <a16:creationId xmlns:a16="http://schemas.microsoft.com/office/drawing/2014/main" xmlns="" id="{142440BE-DCB7-4F94-BDD8-A725A15B6254}"/>
+                <a16:creationId xmlns="" xmlns:a16="http://schemas.microsoft.com/office/drawing/2014/main" id="{142440BE-DCB7-4F94-BDD8-A725A15B6254}"/>
               </a:ext>
             </a:extLst>
           </p:cNvPr>
@@ -388,7 +387,7 @@
           <p:cNvPr id="3" name="Espaço Reservado para Texto Vertical 2">
             <a:extLst>
               <a:ext uri="{FF2B5EF4-FFF2-40B4-BE49-F238E27FC236}">
-                <a16:creationId xmlns:a16="http://schemas.microsoft.com/office/drawing/2014/main" xmlns="" id="{CC2C4BA7-123A-4893-B9AF-72326724FD35}"/>
+                <a16:creationId xmlns="" xmlns:a16="http://schemas.microsoft.com/office/drawing/2014/main" id="{CC2C4BA7-123A-4893-B9AF-72326724FD35}"/>
               </a:ext>
             </a:extLst>
           </p:cNvPr>
@@ -445,7 +444,7 @@
           <p:cNvPr id="4" name="Espaço Reservado para Data 3">
             <a:extLst>
               <a:ext uri="{FF2B5EF4-FFF2-40B4-BE49-F238E27FC236}">
-                <a16:creationId xmlns:a16="http://schemas.microsoft.com/office/drawing/2014/main" xmlns="" id="{856DEDA7-D1C5-42D4-94C3-AC00BA447348}"/>
+                <a16:creationId xmlns="" xmlns:a16="http://schemas.microsoft.com/office/drawing/2014/main" id="{856DEDA7-D1C5-42D4-94C3-AC00BA447348}"/>
               </a:ext>
             </a:extLst>
           </p:cNvPr>
@@ -464,7 +463,7 @@
             <a:fld id="{338CCB33-BDEC-4E1F-A92B-E95B04E3FF8A}" type="datetimeFigureOut">
               <a:rPr lang="pt-BR" smtClean="0"/>
               <a:pPr/>
-              <a:t>16/05/2019</a:t>
+              <a:t>21/05/2019</a:t>
             </a:fld>
             <a:endParaRPr lang="pt-BR"/>
           </a:p>
@@ -475,7 +474,7 @@
           <p:cNvPr id="5" name="Espaço Reservado para Rodapé 4">
             <a:extLst>
               <a:ext uri="{FF2B5EF4-FFF2-40B4-BE49-F238E27FC236}">
-                <a16:creationId xmlns:a16="http://schemas.microsoft.com/office/drawing/2014/main" xmlns="" id="{C3658594-263F-4300-A559-FD23A42A4C43}"/>
+                <a16:creationId xmlns="" xmlns:a16="http://schemas.microsoft.com/office/drawing/2014/main" id="{C3658594-263F-4300-A559-FD23A42A4C43}"/>
               </a:ext>
             </a:extLst>
           </p:cNvPr>
@@ -500,7 +499,7 @@
           <p:cNvPr id="6" name="Espaço Reservado para Número de Slide 5">
             <a:extLst>
               <a:ext uri="{FF2B5EF4-FFF2-40B4-BE49-F238E27FC236}">
-                <a16:creationId xmlns:a16="http://schemas.microsoft.com/office/drawing/2014/main" xmlns="" id="{18227280-96B4-443E-84E5-F5F6BA2471AC}"/>
+                <a16:creationId xmlns="" xmlns:a16="http://schemas.microsoft.com/office/drawing/2014/main" id="{18227280-96B4-443E-84E5-F5F6BA2471AC}"/>
               </a:ext>
             </a:extLst>
           </p:cNvPr>
@@ -528,7 +527,7 @@
     </p:spTree>
     <p:extLst>
       <p:ext uri="{BB962C8B-B14F-4D97-AF65-F5344CB8AC3E}">
-        <p14:creationId xmlns:p14="http://schemas.microsoft.com/office/powerpoint/2010/main" xmlns="" val="1364242767"/>
+        <p14:creationId xmlns="" xmlns:p14="http://schemas.microsoft.com/office/powerpoint/2010/main" val="1364242767"/>
       </p:ext>
     </p:extLst>
   </p:cSld>
@@ -560,7 +559,7 @@
           <p:cNvPr id="2" name="Título Vertical 1">
             <a:extLst>
               <a:ext uri="{FF2B5EF4-FFF2-40B4-BE49-F238E27FC236}">
-                <a16:creationId xmlns:a16="http://schemas.microsoft.com/office/drawing/2014/main" xmlns="" id="{1BB41462-F2BF-4812-8100-052E2BE79EFE}"/>
+                <a16:creationId xmlns="" xmlns:a16="http://schemas.microsoft.com/office/drawing/2014/main" id="{1BB41462-F2BF-4812-8100-052E2BE79EFE}"/>
               </a:ext>
             </a:extLst>
           </p:cNvPr>
@@ -593,7 +592,7 @@
           <p:cNvPr id="3" name="Espaço Reservado para Texto Vertical 2">
             <a:extLst>
               <a:ext uri="{FF2B5EF4-FFF2-40B4-BE49-F238E27FC236}">
-                <a16:creationId xmlns:a16="http://schemas.microsoft.com/office/drawing/2014/main" xmlns="" id="{9978A50C-ECF2-4178-9AF8-4D6B97224CCD}"/>
+                <a16:creationId xmlns="" xmlns:a16="http://schemas.microsoft.com/office/drawing/2014/main" id="{9978A50C-ECF2-4178-9AF8-4D6B97224CCD}"/>
               </a:ext>
             </a:extLst>
           </p:cNvPr>
@@ -655,7 +654,7 @@
           <p:cNvPr id="4" name="Espaço Reservado para Data 3">
             <a:extLst>
               <a:ext uri="{FF2B5EF4-FFF2-40B4-BE49-F238E27FC236}">
-                <a16:creationId xmlns:a16="http://schemas.microsoft.com/office/drawing/2014/main" xmlns="" id="{261D408F-1479-498C-8329-D5728B750E8C}"/>
+                <a16:creationId xmlns="" xmlns:a16="http://schemas.microsoft.com/office/drawing/2014/main" id="{261D408F-1479-498C-8329-D5728B750E8C}"/>
               </a:ext>
             </a:extLst>
           </p:cNvPr>
@@ -674,7 +673,7 @@
             <a:fld id="{338CCB33-BDEC-4E1F-A92B-E95B04E3FF8A}" type="datetimeFigureOut">
               <a:rPr lang="pt-BR" smtClean="0"/>
               <a:pPr/>
-              <a:t>16/05/2019</a:t>
+              <a:t>21/05/2019</a:t>
             </a:fld>
             <a:endParaRPr lang="pt-BR"/>
           </a:p>
@@ -685,7 +684,7 @@
           <p:cNvPr id="5" name="Espaço Reservado para Rodapé 4">
             <a:extLst>
               <a:ext uri="{FF2B5EF4-FFF2-40B4-BE49-F238E27FC236}">
-                <a16:creationId xmlns:a16="http://schemas.microsoft.com/office/drawing/2014/main" xmlns="" id="{64177FFF-6B69-4ADD-BCFF-13CD320E2C6D}"/>
+                <a16:creationId xmlns="" xmlns:a16="http://schemas.microsoft.com/office/drawing/2014/main" id="{64177FFF-6B69-4ADD-BCFF-13CD320E2C6D}"/>
               </a:ext>
             </a:extLst>
           </p:cNvPr>
@@ -710,7 +709,7 @@
           <p:cNvPr id="6" name="Espaço Reservado para Número de Slide 5">
             <a:extLst>
               <a:ext uri="{FF2B5EF4-FFF2-40B4-BE49-F238E27FC236}">
-                <a16:creationId xmlns:a16="http://schemas.microsoft.com/office/drawing/2014/main" xmlns="" id="{ED6F3D3B-2127-4C06-9EC2-51CF7FD0C7DE}"/>
+                <a16:creationId xmlns="" xmlns:a16="http://schemas.microsoft.com/office/drawing/2014/main" id="{ED6F3D3B-2127-4C06-9EC2-51CF7FD0C7DE}"/>
               </a:ext>
             </a:extLst>
           </p:cNvPr>
@@ -738,7 +737,7 @@
     </p:spTree>
     <p:extLst>
       <p:ext uri="{BB962C8B-B14F-4D97-AF65-F5344CB8AC3E}">
-        <p14:creationId xmlns:p14="http://schemas.microsoft.com/office/powerpoint/2010/main" xmlns="" val="2553972579"/>
+        <p14:creationId xmlns="" xmlns:p14="http://schemas.microsoft.com/office/powerpoint/2010/main" val="2553972579"/>
       </p:ext>
     </p:extLst>
   </p:cSld>
@@ -770,7 +769,7 @@
           <p:cNvPr id="2" name="Título 1">
             <a:extLst>
               <a:ext uri="{FF2B5EF4-FFF2-40B4-BE49-F238E27FC236}">
-                <a16:creationId xmlns:a16="http://schemas.microsoft.com/office/drawing/2014/main" xmlns="" id="{C53C057E-46A3-4F97-97BD-CED353A29053}"/>
+                <a16:creationId xmlns="" xmlns:a16="http://schemas.microsoft.com/office/drawing/2014/main" id="{C53C057E-46A3-4F97-97BD-CED353A29053}"/>
               </a:ext>
             </a:extLst>
           </p:cNvPr>
@@ -798,7 +797,7 @@
           <p:cNvPr id="3" name="Espaço Reservado para Conteúdo 2">
             <a:extLst>
               <a:ext uri="{FF2B5EF4-FFF2-40B4-BE49-F238E27FC236}">
-                <a16:creationId xmlns:a16="http://schemas.microsoft.com/office/drawing/2014/main" xmlns="" id="{43477606-FCFD-4CC9-BFAA-BD3CAF73D574}"/>
+                <a16:creationId xmlns="" xmlns:a16="http://schemas.microsoft.com/office/drawing/2014/main" id="{43477606-FCFD-4CC9-BFAA-BD3CAF73D574}"/>
               </a:ext>
             </a:extLst>
           </p:cNvPr>
@@ -855,7 +854,7 @@
           <p:cNvPr id="4" name="Espaço Reservado para Data 3">
             <a:extLst>
               <a:ext uri="{FF2B5EF4-FFF2-40B4-BE49-F238E27FC236}">
-                <a16:creationId xmlns:a16="http://schemas.microsoft.com/office/drawing/2014/main" xmlns="" id="{A5E03452-18A2-4BDC-9F3C-4C9C5017F022}"/>
+                <a16:creationId xmlns="" xmlns:a16="http://schemas.microsoft.com/office/drawing/2014/main" id="{A5E03452-18A2-4BDC-9F3C-4C9C5017F022}"/>
               </a:ext>
             </a:extLst>
           </p:cNvPr>
@@ -874,7 +873,7 @@
             <a:fld id="{338CCB33-BDEC-4E1F-A92B-E95B04E3FF8A}" type="datetimeFigureOut">
               <a:rPr lang="pt-BR" smtClean="0"/>
               <a:pPr/>
-              <a:t>16/05/2019</a:t>
+              <a:t>21/05/2019</a:t>
             </a:fld>
             <a:endParaRPr lang="pt-BR"/>
           </a:p>
@@ -885,7 +884,7 @@
           <p:cNvPr id="5" name="Espaço Reservado para Rodapé 4">
             <a:extLst>
               <a:ext uri="{FF2B5EF4-FFF2-40B4-BE49-F238E27FC236}">
-                <a16:creationId xmlns:a16="http://schemas.microsoft.com/office/drawing/2014/main" xmlns="" id="{176BF3BA-23E4-4963-A246-4431FA3BD20B}"/>
+                <a16:creationId xmlns="" xmlns:a16="http://schemas.microsoft.com/office/drawing/2014/main" id="{176BF3BA-23E4-4963-A246-4431FA3BD20B}"/>
               </a:ext>
             </a:extLst>
           </p:cNvPr>
@@ -910,7 +909,7 @@
           <p:cNvPr id="6" name="Espaço Reservado para Número de Slide 5">
             <a:extLst>
               <a:ext uri="{FF2B5EF4-FFF2-40B4-BE49-F238E27FC236}">
-                <a16:creationId xmlns:a16="http://schemas.microsoft.com/office/drawing/2014/main" xmlns="" id="{AADEE478-5680-4DAF-BFE2-4B1B397510E3}"/>
+                <a16:creationId xmlns="" xmlns:a16="http://schemas.microsoft.com/office/drawing/2014/main" id="{AADEE478-5680-4DAF-BFE2-4B1B397510E3}"/>
               </a:ext>
             </a:extLst>
           </p:cNvPr>
@@ -938,7 +937,7 @@
     </p:spTree>
     <p:extLst>
       <p:ext uri="{BB962C8B-B14F-4D97-AF65-F5344CB8AC3E}">
-        <p14:creationId xmlns:p14="http://schemas.microsoft.com/office/powerpoint/2010/main" xmlns="" val="3501293911"/>
+        <p14:creationId xmlns="" xmlns:p14="http://schemas.microsoft.com/office/powerpoint/2010/main" val="3501293911"/>
       </p:ext>
     </p:extLst>
   </p:cSld>
@@ -970,7 +969,7 @@
           <p:cNvPr id="2" name="Título 1">
             <a:extLst>
               <a:ext uri="{FF2B5EF4-FFF2-40B4-BE49-F238E27FC236}">
-                <a16:creationId xmlns:a16="http://schemas.microsoft.com/office/drawing/2014/main" xmlns="" id="{A5F3D062-BD4B-41C3-A174-F9D55C129103}"/>
+                <a16:creationId xmlns="" xmlns:a16="http://schemas.microsoft.com/office/drawing/2014/main" id="{A5F3D062-BD4B-41C3-A174-F9D55C129103}"/>
               </a:ext>
             </a:extLst>
           </p:cNvPr>
@@ -1007,7 +1006,7 @@
           <p:cNvPr id="3" name="Espaço Reservado para Texto 2">
             <a:extLst>
               <a:ext uri="{FF2B5EF4-FFF2-40B4-BE49-F238E27FC236}">
-                <a16:creationId xmlns:a16="http://schemas.microsoft.com/office/drawing/2014/main" xmlns="" id="{01398196-295B-4BFD-B48D-E88DB8AADC67}"/>
+                <a16:creationId xmlns="" xmlns:a16="http://schemas.microsoft.com/office/drawing/2014/main" id="{01398196-295B-4BFD-B48D-E88DB8AADC67}"/>
               </a:ext>
             </a:extLst>
           </p:cNvPr>
@@ -1132,7 +1131,7 @@
           <p:cNvPr id="4" name="Espaço Reservado para Data 3">
             <a:extLst>
               <a:ext uri="{FF2B5EF4-FFF2-40B4-BE49-F238E27FC236}">
-                <a16:creationId xmlns:a16="http://schemas.microsoft.com/office/drawing/2014/main" xmlns="" id="{2E732B95-5D54-47BC-B87F-2DE7B30312B9}"/>
+                <a16:creationId xmlns="" xmlns:a16="http://schemas.microsoft.com/office/drawing/2014/main" id="{2E732B95-5D54-47BC-B87F-2DE7B30312B9}"/>
               </a:ext>
             </a:extLst>
           </p:cNvPr>
@@ -1151,7 +1150,7 @@
             <a:fld id="{338CCB33-BDEC-4E1F-A92B-E95B04E3FF8A}" type="datetimeFigureOut">
               <a:rPr lang="pt-BR" smtClean="0"/>
               <a:pPr/>
-              <a:t>16/05/2019</a:t>
+              <a:t>21/05/2019</a:t>
             </a:fld>
             <a:endParaRPr lang="pt-BR"/>
           </a:p>
@@ -1162,7 +1161,7 @@
           <p:cNvPr id="5" name="Espaço Reservado para Rodapé 4">
             <a:extLst>
               <a:ext uri="{FF2B5EF4-FFF2-40B4-BE49-F238E27FC236}">
-                <a16:creationId xmlns:a16="http://schemas.microsoft.com/office/drawing/2014/main" xmlns="" id="{8E3A29F4-6290-48D6-A93B-677C1F5CA134}"/>
+                <a16:creationId xmlns="" xmlns:a16="http://schemas.microsoft.com/office/drawing/2014/main" id="{8E3A29F4-6290-48D6-A93B-677C1F5CA134}"/>
               </a:ext>
             </a:extLst>
           </p:cNvPr>
@@ -1187,7 +1186,7 @@
           <p:cNvPr id="6" name="Espaço Reservado para Número de Slide 5">
             <a:extLst>
               <a:ext uri="{FF2B5EF4-FFF2-40B4-BE49-F238E27FC236}">
-                <a16:creationId xmlns:a16="http://schemas.microsoft.com/office/drawing/2014/main" xmlns="" id="{C0702910-0571-4A63-BBC3-C7EDD32C2038}"/>
+                <a16:creationId xmlns="" xmlns:a16="http://schemas.microsoft.com/office/drawing/2014/main" id="{C0702910-0571-4A63-BBC3-C7EDD32C2038}"/>
               </a:ext>
             </a:extLst>
           </p:cNvPr>
@@ -1215,7 +1214,7 @@
     </p:spTree>
     <p:extLst>
       <p:ext uri="{BB962C8B-B14F-4D97-AF65-F5344CB8AC3E}">
-        <p14:creationId xmlns:p14="http://schemas.microsoft.com/office/powerpoint/2010/main" xmlns="" val="3024943026"/>
+        <p14:creationId xmlns="" xmlns:p14="http://schemas.microsoft.com/office/powerpoint/2010/main" val="3024943026"/>
       </p:ext>
     </p:extLst>
   </p:cSld>
@@ -1247,7 +1246,7 @@
           <p:cNvPr id="2" name="Título 1">
             <a:extLst>
               <a:ext uri="{FF2B5EF4-FFF2-40B4-BE49-F238E27FC236}">
-                <a16:creationId xmlns:a16="http://schemas.microsoft.com/office/drawing/2014/main" xmlns="" id="{51A70238-8C07-4127-8465-EE78CA44C71F}"/>
+                <a16:creationId xmlns="" xmlns:a16="http://schemas.microsoft.com/office/drawing/2014/main" id="{51A70238-8C07-4127-8465-EE78CA44C71F}"/>
               </a:ext>
             </a:extLst>
           </p:cNvPr>
@@ -1275,7 +1274,7 @@
           <p:cNvPr id="3" name="Espaço Reservado para Conteúdo 2">
             <a:extLst>
               <a:ext uri="{FF2B5EF4-FFF2-40B4-BE49-F238E27FC236}">
-                <a16:creationId xmlns:a16="http://schemas.microsoft.com/office/drawing/2014/main" xmlns="" id="{C6D9FA43-AB92-4C83-AABF-99E5EFB153A0}"/>
+                <a16:creationId xmlns="" xmlns:a16="http://schemas.microsoft.com/office/drawing/2014/main" id="{C6D9FA43-AB92-4C83-AABF-99E5EFB153A0}"/>
               </a:ext>
             </a:extLst>
           </p:cNvPr>
@@ -1337,7 +1336,7 @@
           <p:cNvPr id="4" name="Espaço Reservado para Conteúdo 3">
             <a:extLst>
               <a:ext uri="{FF2B5EF4-FFF2-40B4-BE49-F238E27FC236}">
-                <a16:creationId xmlns:a16="http://schemas.microsoft.com/office/drawing/2014/main" xmlns="" id="{D325C3C4-57A4-48BD-ADE2-8C47C9E2A84F}"/>
+                <a16:creationId xmlns="" xmlns:a16="http://schemas.microsoft.com/office/drawing/2014/main" id="{D325C3C4-57A4-48BD-ADE2-8C47C9E2A84F}"/>
               </a:ext>
             </a:extLst>
           </p:cNvPr>
@@ -1399,7 +1398,7 @@
           <p:cNvPr id="5" name="Espaço Reservado para Data 4">
             <a:extLst>
               <a:ext uri="{FF2B5EF4-FFF2-40B4-BE49-F238E27FC236}">
-                <a16:creationId xmlns:a16="http://schemas.microsoft.com/office/drawing/2014/main" xmlns="" id="{E206209A-BA9B-4ACC-ABE0-CEECF9FCD462}"/>
+                <a16:creationId xmlns="" xmlns:a16="http://schemas.microsoft.com/office/drawing/2014/main" id="{E206209A-BA9B-4ACC-ABE0-CEECF9FCD462}"/>
               </a:ext>
             </a:extLst>
           </p:cNvPr>
@@ -1418,7 +1417,7 @@
             <a:fld id="{338CCB33-BDEC-4E1F-A92B-E95B04E3FF8A}" type="datetimeFigureOut">
               <a:rPr lang="pt-BR" smtClean="0"/>
               <a:pPr/>
-              <a:t>16/05/2019</a:t>
+              <a:t>21/05/2019</a:t>
             </a:fld>
             <a:endParaRPr lang="pt-BR"/>
           </a:p>
@@ -1429,7 +1428,7 @@
           <p:cNvPr id="6" name="Espaço Reservado para Rodapé 5">
             <a:extLst>
               <a:ext uri="{FF2B5EF4-FFF2-40B4-BE49-F238E27FC236}">
-                <a16:creationId xmlns:a16="http://schemas.microsoft.com/office/drawing/2014/main" xmlns="" id="{065C61BB-08B3-46A8-B16F-5BA53ED4CA98}"/>
+                <a16:creationId xmlns="" xmlns:a16="http://schemas.microsoft.com/office/drawing/2014/main" id="{065C61BB-08B3-46A8-B16F-5BA53ED4CA98}"/>
               </a:ext>
             </a:extLst>
           </p:cNvPr>
@@ -1454,7 +1453,7 @@
           <p:cNvPr id="7" name="Espaço Reservado para Número de Slide 6">
             <a:extLst>
               <a:ext uri="{FF2B5EF4-FFF2-40B4-BE49-F238E27FC236}">
-                <a16:creationId xmlns:a16="http://schemas.microsoft.com/office/drawing/2014/main" xmlns="" id="{256F18BA-B231-4377-BD60-7472CFC288C2}"/>
+                <a16:creationId xmlns="" xmlns:a16="http://schemas.microsoft.com/office/drawing/2014/main" id="{256F18BA-B231-4377-BD60-7472CFC288C2}"/>
               </a:ext>
             </a:extLst>
           </p:cNvPr>
@@ -1482,7 +1481,7 @@
     </p:spTree>
     <p:extLst>
       <p:ext uri="{BB962C8B-B14F-4D97-AF65-F5344CB8AC3E}">
-        <p14:creationId xmlns:p14="http://schemas.microsoft.com/office/powerpoint/2010/main" xmlns="" val="2843226950"/>
+        <p14:creationId xmlns="" xmlns:p14="http://schemas.microsoft.com/office/powerpoint/2010/main" val="2843226950"/>
       </p:ext>
     </p:extLst>
   </p:cSld>
@@ -1514,7 +1513,7 @@
           <p:cNvPr id="2" name="Título 1">
             <a:extLst>
               <a:ext uri="{FF2B5EF4-FFF2-40B4-BE49-F238E27FC236}">
-                <a16:creationId xmlns:a16="http://schemas.microsoft.com/office/drawing/2014/main" xmlns="" id="{24BCCEDB-67DE-48F7-96E5-F4AA6478C99D}"/>
+                <a16:creationId xmlns="" xmlns:a16="http://schemas.microsoft.com/office/drawing/2014/main" id="{24BCCEDB-67DE-48F7-96E5-F4AA6478C99D}"/>
               </a:ext>
             </a:extLst>
           </p:cNvPr>
@@ -1547,7 +1546,7 @@
           <p:cNvPr id="3" name="Espaço Reservado para Texto 2">
             <a:extLst>
               <a:ext uri="{FF2B5EF4-FFF2-40B4-BE49-F238E27FC236}">
-                <a16:creationId xmlns:a16="http://schemas.microsoft.com/office/drawing/2014/main" xmlns="" id="{DEADA3E4-EDA3-47E5-BBD1-F646CE69797A}"/>
+                <a16:creationId xmlns="" xmlns:a16="http://schemas.microsoft.com/office/drawing/2014/main" id="{DEADA3E4-EDA3-47E5-BBD1-F646CE69797A}"/>
               </a:ext>
             </a:extLst>
           </p:cNvPr>
@@ -1618,7 +1617,7 @@
           <p:cNvPr id="4" name="Espaço Reservado para Conteúdo 3">
             <a:extLst>
               <a:ext uri="{FF2B5EF4-FFF2-40B4-BE49-F238E27FC236}">
-                <a16:creationId xmlns:a16="http://schemas.microsoft.com/office/drawing/2014/main" xmlns="" id="{A90190CC-D987-4D4D-B370-A719AB37FBA9}"/>
+                <a16:creationId xmlns="" xmlns:a16="http://schemas.microsoft.com/office/drawing/2014/main" id="{A90190CC-D987-4D4D-B370-A719AB37FBA9}"/>
               </a:ext>
             </a:extLst>
           </p:cNvPr>
@@ -1680,7 +1679,7 @@
           <p:cNvPr id="5" name="Espaço Reservado para Texto 4">
             <a:extLst>
               <a:ext uri="{FF2B5EF4-FFF2-40B4-BE49-F238E27FC236}">
-                <a16:creationId xmlns:a16="http://schemas.microsoft.com/office/drawing/2014/main" xmlns="" id="{B62BBCFF-ADD6-4A5E-A242-8CCEF6912173}"/>
+                <a16:creationId xmlns="" xmlns:a16="http://schemas.microsoft.com/office/drawing/2014/main" id="{B62BBCFF-ADD6-4A5E-A242-8CCEF6912173}"/>
               </a:ext>
             </a:extLst>
           </p:cNvPr>
@@ -1751,7 +1750,7 @@
           <p:cNvPr id="6" name="Espaço Reservado para Conteúdo 5">
             <a:extLst>
               <a:ext uri="{FF2B5EF4-FFF2-40B4-BE49-F238E27FC236}">
-                <a16:creationId xmlns:a16="http://schemas.microsoft.com/office/drawing/2014/main" xmlns="" id="{A2254C05-27AC-4DE3-AA7B-D4A3D8A4308B}"/>
+                <a16:creationId xmlns="" xmlns:a16="http://schemas.microsoft.com/office/drawing/2014/main" id="{A2254C05-27AC-4DE3-AA7B-D4A3D8A4308B}"/>
               </a:ext>
             </a:extLst>
           </p:cNvPr>
@@ -1813,7 +1812,7 @@
           <p:cNvPr id="7" name="Espaço Reservado para Data 6">
             <a:extLst>
               <a:ext uri="{FF2B5EF4-FFF2-40B4-BE49-F238E27FC236}">
-                <a16:creationId xmlns:a16="http://schemas.microsoft.com/office/drawing/2014/main" xmlns="" id="{016C2107-FDD9-4FD6-A35D-E9EFDF17EA5D}"/>
+                <a16:creationId xmlns="" xmlns:a16="http://schemas.microsoft.com/office/drawing/2014/main" id="{016C2107-FDD9-4FD6-A35D-E9EFDF17EA5D}"/>
               </a:ext>
             </a:extLst>
           </p:cNvPr>
@@ -1832,7 +1831,7 @@
             <a:fld id="{338CCB33-BDEC-4E1F-A92B-E95B04E3FF8A}" type="datetimeFigureOut">
               <a:rPr lang="pt-BR" smtClean="0"/>
               <a:pPr/>
-              <a:t>16/05/2019</a:t>
+              <a:t>21/05/2019</a:t>
             </a:fld>
             <a:endParaRPr lang="pt-BR"/>
           </a:p>
@@ -1843,7 +1842,7 @@
           <p:cNvPr id="8" name="Espaço Reservado para Rodapé 7">
             <a:extLst>
               <a:ext uri="{FF2B5EF4-FFF2-40B4-BE49-F238E27FC236}">
-                <a16:creationId xmlns:a16="http://schemas.microsoft.com/office/drawing/2014/main" xmlns="" id="{3FD05703-273B-43CD-8DDA-35492B70EF99}"/>
+                <a16:creationId xmlns="" xmlns:a16="http://schemas.microsoft.com/office/drawing/2014/main" id="{3FD05703-273B-43CD-8DDA-35492B70EF99}"/>
               </a:ext>
             </a:extLst>
           </p:cNvPr>
@@ -1868,7 +1867,7 @@
           <p:cNvPr id="9" name="Espaço Reservado para Número de Slide 8">
             <a:extLst>
               <a:ext uri="{FF2B5EF4-FFF2-40B4-BE49-F238E27FC236}">
-                <a16:creationId xmlns:a16="http://schemas.microsoft.com/office/drawing/2014/main" xmlns="" id="{523E69B4-B67B-4EC9-BBCB-3BA44A9A6361}"/>
+                <a16:creationId xmlns="" xmlns:a16="http://schemas.microsoft.com/office/drawing/2014/main" id="{523E69B4-B67B-4EC9-BBCB-3BA44A9A6361}"/>
               </a:ext>
             </a:extLst>
           </p:cNvPr>
@@ -1896,7 +1895,7 @@
     </p:spTree>
     <p:extLst>
       <p:ext uri="{BB962C8B-B14F-4D97-AF65-F5344CB8AC3E}">
-        <p14:creationId xmlns:p14="http://schemas.microsoft.com/office/powerpoint/2010/main" xmlns="" val="1098513999"/>
+        <p14:creationId xmlns="" xmlns:p14="http://schemas.microsoft.com/office/powerpoint/2010/main" val="1098513999"/>
       </p:ext>
     </p:extLst>
   </p:cSld>
@@ -1928,7 +1927,7 @@
           <p:cNvPr id="2" name="Título 1">
             <a:extLst>
               <a:ext uri="{FF2B5EF4-FFF2-40B4-BE49-F238E27FC236}">
-                <a16:creationId xmlns:a16="http://schemas.microsoft.com/office/drawing/2014/main" xmlns="" id="{CFA55646-FE1A-4C08-A4D6-71E397CB6514}"/>
+                <a16:creationId xmlns="" xmlns:a16="http://schemas.microsoft.com/office/drawing/2014/main" id="{CFA55646-FE1A-4C08-A4D6-71E397CB6514}"/>
               </a:ext>
             </a:extLst>
           </p:cNvPr>
@@ -1956,7 +1955,7 @@
           <p:cNvPr id="3" name="Espaço Reservado para Data 2">
             <a:extLst>
               <a:ext uri="{FF2B5EF4-FFF2-40B4-BE49-F238E27FC236}">
-                <a16:creationId xmlns:a16="http://schemas.microsoft.com/office/drawing/2014/main" xmlns="" id="{820F6384-C0D1-4149-A3C0-841CF196D189}"/>
+                <a16:creationId xmlns="" xmlns:a16="http://schemas.microsoft.com/office/drawing/2014/main" id="{820F6384-C0D1-4149-A3C0-841CF196D189}"/>
               </a:ext>
             </a:extLst>
           </p:cNvPr>
@@ -1975,7 +1974,7 @@
             <a:fld id="{338CCB33-BDEC-4E1F-A92B-E95B04E3FF8A}" type="datetimeFigureOut">
               <a:rPr lang="pt-BR" smtClean="0"/>
               <a:pPr/>
-              <a:t>16/05/2019</a:t>
+              <a:t>21/05/2019</a:t>
             </a:fld>
             <a:endParaRPr lang="pt-BR"/>
           </a:p>
@@ -1986,7 +1985,7 @@
           <p:cNvPr id="4" name="Espaço Reservado para Rodapé 3">
             <a:extLst>
               <a:ext uri="{FF2B5EF4-FFF2-40B4-BE49-F238E27FC236}">
-                <a16:creationId xmlns:a16="http://schemas.microsoft.com/office/drawing/2014/main" xmlns="" id="{7D526EA5-F76E-45AE-8378-D386CB90ACD7}"/>
+                <a16:creationId xmlns="" xmlns:a16="http://schemas.microsoft.com/office/drawing/2014/main" id="{7D526EA5-F76E-45AE-8378-D386CB90ACD7}"/>
               </a:ext>
             </a:extLst>
           </p:cNvPr>
@@ -2011,7 +2010,7 @@
           <p:cNvPr id="5" name="Espaço Reservado para Número de Slide 4">
             <a:extLst>
               <a:ext uri="{FF2B5EF4-FFF2-40B4-BE49-F238E27FC236}">
-                <a16:creationId xmlns:a16="http://schemas.microsoft.com/office/drawing/2014/main" xmlns="" id="{2DD9D760-FEF2-43FD-A198-3023A1998F41}"/>
+                <a16:creationId xmlns="" xmlns:a16="http://schemas.microsoft.com/office/drawing/2014/main" id="{2DD9D760-FEF2-43FD-A198-3023A1998F41}"/>
               </a:ext>
             </a:extLst>
           </p:cNvPr>
@@ -2039,7 +2038,7 @@
     </p:spTree>
     <p:extLst>
       <p:ext uri="{BB962C8B-B14F-4D97-AF65-F5344CB8AC3E}">
-        <p14:creationId xmlns:p14="http://schemas.microsoft.com/office/powerpoint/2010/main" xmlns="" val="80576801"/>
+        <p14:creationId xmlns="" xmlns:p14="http://schemas.microsoft.com/office/powerpoint/2010/main" val="80576801"/>
       </p:ext>
     </p:extLst>
   </p:cSld>
@@ -2071,7 +2070,7 @@
           <p:cNvPr id="2" name="Espaço Reservado para Data 1">
             <a:extLst>
               <a:ext uri="{FF2B5EF4-FFF2-40B4-BE49-F238E27FC236}">
-                <a16:creationId xmlns:a16="http://schemas.microsoft.com/office/drawing/2014/main" xmlns="" id="{35FDF805-FEE1-43C8-8620-9B0FEEE8590A}"/>
+                <a16:creationId xmlns="" xmlns:a16="http://schemas.microsoft.com/office/drawing/2014/main" id="{35FDF805-FEE1-43C8-8620-9B0FEEE8590A}"/>
               </a:ext>
             </a:extLst>
           </p:cNvPr>
@@ -2090,7 +2089,7 @@
             <a:fld id="{338CCB33-BDEC-4E1F-A92B-E95B04E3FF8A}" type="datetimeFigureOut">
               <a:rPr lang="pt-BR" smtClean="0"/>
               <a:pPr/>
-              <a:t>16/05/2019</a:t>
+              <a:t>21/05/2019</a:t>
             </a:fld>
             <a:endParaRPr lang="pt-BR"/>
           </a:p>
@@ -2101,7 +2100,7 @@
           <p:cNvPr id="3" name="Espaço Reservado para Rodapé 2">
             <a:extLst>
               <a:ext uri="{FF2B5EF4-FFF2-40B4-BE49-F238E27FC236}">
-                <a16:creationId xmlns:a16="http://schemas.microsoft.com/office/drawing/2014/main" xmlns="" id="{492D77D1-7EB3-41E6-8568-1E270647DD9F}"/>
+                <a16:creationId xmlns="" xmlns:a16="http://schemas.microsoft.com/office/drawing/2014/main" id="{492D77D1-7EB3-41E6-8568-1E270647DD9F}"/>
               </a:ext>
             </a:extLst>
           </p:cNvPr>
@@ -2126,7 +2125,7 @@
           <p:cNvPr id="4" name="Espaço Reservado para Número de Slide 3">
             <a:extLst>
               <a:ext uri="{FF2B5EF4-FFF2-40B4-BE49-F238E27FC236}">
-                <a16:creationId xmlns:a16="http://schemas.microsoft.com/office/drawing/2014/main" xmlns="" id="{CAB74E17-9B37-43D2-B9BE-856A81E05189}"/>
+                <a16:creationId xmlns="" xmlns:a16="http://schemas.microsoft.com/office/drawing/2014/main" id="{CAB74E17-9B37-43D2-B9BE-856A81E05189}"/>
               </a:ext>
             </a:extLst>
           </p:cNvPr>
@@ -2154,7 +2153,7 @@
     </p:spTree>
     <p:extLst>
       <p:ext uri="{BB962C8B-B14F-4D97-AF65-F5344CB8AC3E}">
-        <p14:creationId xmlns:p14="http://schemas.microsoft.com/office/powerpoint/2010/main" xmlns="" val="3557141865"/>
+        <p14:creationId xmlns="" xmlns:p14="http://schemas.microsoft.com/office/powerpoint/2010/main" val="3557141865"/>
       </p:ext>
     </p:extLst>
   </p:cSld>
@@ -2186,7 +2185,7 @@
           <p:cNvPr id="2" name="Título 1">
             <a:extLst>
               <a:ext uri="{FF2B5EF4-FFF2-40B4-BE49-F238E27FC236}">
-                <a16:creationId xmlns:a16="http://schemas.microsoft.com/office/drawing/2014/main" xmlns="" id="{5B30CE0B-6CF7-4B40-BFC0-63DCDBE8B091}"/>
+                <a16:creationId xmlns="" xmlns:a16="http://schemas.microsoft.com/office/drawing/2014/main" id="{5B30CE0B-6CF7-4B40-BFC0-63DCDBE8B091}"/>
               </a:ext>
             </a:extLst>
           </p:cNvPr>
@@ -2223,7 +2222,7 @@
           <p:cNvPr id="3" name="Espaço Reservado para Conteúdo 2">
             <a:extLst>
               <a:ext uri="{FF2B5EF4-FFF2-40B4-BE49-F238E27FC236}">
-                <a16:creationId xmlns:a16="http://schemas.microsoft.com/office/drawing/2014/main" xmlns="" id="{826CE9BE-99B2-423D-AD8D-801607300D03}"/>
+                <a16:creationId xmlns="" xmlns:a16="http://schemas.microsoft.com/office/drawing/2014/main" id="{826CE9BE-99B2-423D-AD8D-801607300D03}"/>
               </a:ext>
             </a:extLst>
           </p:cNvPr>
@@ -2313,7 +2312,7 @@
           <p:cNvPr id="4" name="Espaço Reservado para Texto 3">
             <a:extLst>
               <a:ext uri="{FF2B5EF4-FFF2-40B4-BE49-F238E27FC236}">
-                <a16:creationId xmlns:a16="http://schemas.microsoft.com/office/drawing/2014/main" xmlns="" id="{8DDDE3FC-F175-4061-AE2E-278D688A4FB8}"/>
+                <a16:creationId xmlns="" xmlns:a16="http://schemas.microsoft.com/office/drawing/2014/main" id="{8DDDE3FC-F175-4061-AE2E-278D688A4FB8}"/>
               </a:ext>
             </a:extLst>
           </p:cNvPr>
@@ -2384,7 +2383,7 @@
           <p:cNvPr id="5" name="Espaço Reservado para Data 4">
             <a:extLst>
               <a:ext uri="{FF2B5EF4-FFF2-40B4-BE49-F238E27FC236}">
-                <a16:creationId xmlns:a16="http://schemas.microsoft.com/office/drawing/2014/main" xmlns="" id="{8E914A7F-5F2B-4FDD-9F51-63D5EAA02658}"/>
+                <a16:creationId xmlns="" xmlns:a16="http://schemas.microsoft.com/office/drawing/2014/main" id="{8E914A7F-5F2B-4FDD-9F51-63D5EAA02658}"/>
               </a:ext>
             </a:extLst>
           </p:cNvPr>
@@ -2403,7 +2402,7 @@
             <a:fld id="{338CCB33-BDEC-4E1F-A92B-E95B04E3FF8A}" type="datetimeFigureOut">
               <a:rPr lang="pt-BR" smtClean="0"/>
               <a:pPr/>
-              <a:t>16/05/2019</a:t>
+              <a:t>21/05/2019</a:t>
             </a:fld>
             <a:endParaRPr lang="pt-BR"/>
           </a:p>
@@ -2414,7 +2413,7 @@
           <p:cNvPr id="6" name="Espaço Reservado para Rodapé 5">
             <a:extLst>
               <a:ext uri="{FF2B5EF4-FFF2-40B4-BE49-F238E27FC236}">
-                <a16:creationId xmlns:a16="http://schemas.microsoft.com/office/drawing/2014/main" xmlns="" id="{DCF3CF1E-72B2-4144-814F-454D53435218}"/>
+                <a16:creationId xmlns="" xmlns:a16="http://schemas.microsoft.com/office/drawing/2014/main" id="{DCF3CF1E-72B2-4144-814F-454D53435218}"/>
               </a:ext>
             </a:extLst>
           </p:cNvPr>
@@ -2439,7 +2438,7 @@
           <p:cNvPr id="7" name="Espaço Reservado para Número de Slide 6">
             <a:extLst>
               <a:ext uri="{FF2B5EF4-FFF2-40B4-BE49-F238E27FC236}">
-                <a16:creationId xmlns:a16="http://schemas.microsoft.com/office/drawing/2014/main" xmlns="" id="{6A523D54-BC85-4B88-9934-7F6181174E4D}"/>
+                <a16:creationId xmlns="" xmlns:a16="http://schemas.microsoft.com/office/drawing/2014/main" id="{6A523D54-BC85-4B88-9934-7F6181174E4D}"/>
               </a:ext>
             </a:extLst>
           </p:cNvPr>
@@ -2467,7 +2466,7 @@
     </p:spTree>
     <p:extLst>
       <p:ext uri="{BB962C8B-B14F-4D97-AF65-F5344CB8AC3E}">
-        <p14:creationId xmlns:p14="http://schemas.microsoft.com/office/powerpoint/2010/main" xmlns="" val="975770627"/>
+        <p14:creationId xmlns="" xmlns:p14="http://schemas.microsoft.com/office/powerpoint/2010/main" val="975770627"/>
       </p:ext>
     </p:extLst>
   </p:cSld>
@@ -2499,7 +2498,7 @@
           <p:cNvPr id="2" name="Título 1">
             <a:extLst>
               <a:ext uri="{FF2B5EF4-FFF2-40B4-BE49-F238E27FC236}">
-                <a16:creationId xmlns:a16="http://schemas.microsoft.com/office/drawing/2014/main" xmlns="" id="{6C6C7311-BB7F-4631-840F-C0C0B0E43F42}"/>
+                <a16:creationId xmlns="" xmlns:a16="http://schemas.microsoft.com/office/drawing/2014/main" id="{6C6C7311-BB7F-4631-840F-C0C0B0E43F42}"/>
               </a:ext>
             </a:extLst>
           </p:cNvPr>
@@ -2536,7 +2535,7 @@
           <p:cNvPr id="3" name="Espaço Reservado para Imagem 2">
             <a:extLst>
               <a:ext uri="{FF2B5EF4-FFF2-40B4-BE49-F238E27FC236}">
-                <a16:creationId xmlns:a16="http://schemas.microsoft.com/office/drawing/2014/main" xmlns="" id="{5D971220-552E-4AE7-813F-CBC18945600F}"/>
+                <a16:creationId xmlns="" xmlns:a16="http://schemas.microsoft.com/office/drawing/2014/main" id="{5D971220-552E-4AE7-813F-CBC18945600F}"/>
               </a:ext>
             </a:extLst>
           </p:cNvPr>
@@ -2603,7 +2602,7 @@
           <p:cNvPr id="4" name="Espaço Reservado para Texto 3">
             <a:extLst>
               <a:ext uri="{FF2B5EF4-FFF2-40B4-BE49-F238E27FC236}">
-                <a16:creationId xmlns:a16="http://schemas.microsoft.com/office/drawing/2014/main" xmlns="" id="{D7255924-72E0-4C71-B56E-DFEB9CEBFE74}"/>
+                <a16:creationId xmlns="" xmlns:a16="http://schemas.microsoft.com/office/drawing/2014/main" id="{D7255924-72E0-4C71-B56E-DFEB9CEBFE74}"/>
               </a:ext>
             </a:extLst>
           </p:cNvPr>
@@ -2674,7 +2673,7 @@
           <p:cNvPr id="5" name="Espaço Reservado para Data 4">
             <a:extLst>
               <a:ext uri="{FF2B5EF4-FFF2-40B4-BE49-F238E27FC236}">
-                <a16:creationId xmlns:a16="http://schemas.microsoft.com/office/drawing/2014/main" xmlns="" id="{D8018B6C-0620-4664-A0C3-966D60A52397}"/>
+                <a16:creationId xmlns="" xmlns:a16="http://schemas.microsoft.com/office/drawing/2014/main" id="{D8018B6C-0620-4664-A0C3-966D60A52397}"/>
               </a:ext>
             </a:extLst>
           </p:cNvPr>
@@ -2693,7 +2692,7 @@
             <a:fld id="{338CCB33-BDEC-4E1F-A92B-E95B04E3FF8A}" type="datetimeFigureOut">
               <a:rPr lang="pt-BR" smtClean="0"/>
               <a:pPr/>
-              <a:t>16/05/2019</a:t>
+              <a:t>21/05/2019</a:t>
             </a:fld>
             <a:endParaRPr lang="pt-BR"/>
           </a:p>
@@ -2704,7 +2703,7 @@
           <p:cNvPr id="6" name="Espaço Reservado para Rodapé 5">
             <a:extLst>
               <a:ext uri="{FF2B5EF4-FFF2-40B4-BE49-F238E27FC236}">
-                <a16:creationId xmlns:a16="http://schemas.microsoft.com/office/drawing/2014/main" xmlns="" id="{ED12BF4F-3F3F-4514-B33D-B23B64318051}"/>
+                <a16:creationId xmlns="" xmlns:a16="http://schemas.microsoft.com/office/drawing/2014/main" id="{ED12BF4F-3F3F-4514-B33D-B23B64318051}"/>
               </a:ext>
             </a:extLst>
           </p:cNvPr>
@@ -2729,7 +2728,7 @@
           <p:cNvPr id="7" name="Espaço Reservado para Número de Slide 6">
             <a:extLst>
               <a:ext uri="{FF2B5EF4-FFF2-40B4-BE49-F238E27FC236}">
-                <a16:creationId xmlns:a16="http://schemas.microsoft.com/office/drawing/2014/main" xmlns="" id="{89DDBF83-4B99-4A94-89D8-6334AFAB01C9}"/>
+                <a16:creationId xmlns="" xmlns:a16="http://schemas.microsoft.com/office/drawing/2014/main" id="{89DDBF83-4B99-4A94-89D8-6334AFAB01C9}"/>
               </a:ext>
             </a:extLst>
           </p:cNvPr>
@@ -2757,7 +2756,7 @@
     </p:spTree>
     <p:extLst>
       <p:ext uri="{BB962C8B-B14F-4D97-AF65-F5344CB8AC3E}">
-        <p14:creationId xmlns:p14="http://schemas.microsoft.com/office/powerpoint/2010/main" xmlns="" val="3188744165"/>
+        <p14:creationId xmlns="" xmlns:p14="http://schemas.microsoft.com/office/powerpoint/2010/main" val="3188744165"/>
       </p:ext>
     </p:extLst>
   </p:cSld>
@@ -2794,7 +2793,7 @@
           <p:cNvPr id="2" name="Espaço Reservado para Título 1">
             <a:extLst>
               <a:ext uri="{FF2B5EF4-FFF2-40B4-BE49-F238E27FC236}">
-                <a16:creationId xmlns:a16="http://schemas.microsoft.com/office/drawing/2014/main" xmlns="" id="{2C7364A3-3AE1-4D6A-8617-151D72815F59}"/>
+                <a16:creationId xmlns="" xmlns:a16="http://schemas.microsoft.com/office/drawing/2014/main" id="{2C7364A3-3AE1-4D6A-8617-151D72815F59}"/>
               </a:ext>
             </a:extLst>
           </p:cNvPr>
@@ -2832,7 +2831,7 @@
           <p:cNvPr id="3" name="Espaço Reservado para Texto 2">
             <a:extLst>
               <a:ext uri="{FF2B5EF4-FFF2-40B4-BE49-F238E27FC236}">
-                <a16:creationId xmlns:a16="http://schemas.microsoft.com/office/drawing/2014/main" xmlns="" id="{41FC026C-C2BF-496E-ABB2-6FE16906F8BF}"/>
+                <a16:creationId xmlns="" xmlns:a16="http://schemas.microsoft.com/office/drawing/2014/main" id="{41FC026C-C2BF-496E-ABB2-6FE16906F8BF}"/>
               </a:ext>
             </a:extLst>
           </p:cNvPr>
@@ -2899,7 +2898,7 @@
           <p:cNvPr id="4" name="Espaço Reservado para Data 3">
             <a:extLst>
               <a:ext uri="{FF2B5EF4-FFF2-40B4-BE49-F238E27FC236}">
-                <a16:creationId xmlns:a16="http://schemas.microsoft.com/office/drawing/2014/main" xmlns="" id="{3BEC7F6B-3D00-4D2F-B9EE-72D518A21A7B}"/>
+                <a16:creationId xmlns="" xmlns:a16="http://schemas.microsoft.com/office/drawing/2014/main" id="{3BEC7F6B-3D00-4D2F-B9EE-72D518A21A7B}"/>
               </a:ext>
             </a:extLst>
           </p:cNvPr>
@@ -2936,7 +2935,7 @@
             <a:fld id="{338CCB33-BDEC-4E1F-A92B-E95B04E3FF8A}" type="datetimeFigureOut">
               <a:rPr lang="pt-BR" smtClean="0"/>
               <a:pPr/>
-              <a:t>16/05/2019</a:t>
+              <a:t>21/05/2019</a:t>
             </a:fld>
             <a:endParaRPr lang="pt-BR"/>
           </a:p>
@@ -2947,7 +2946,7 @@
           <p:cNvPr id="5" name="Espaço Reservado para Rodapé 4">
             <a:extLst>
               <a:ext uri="{FF2B5EF4-FFF2-40B4-BE49-F238E27FC236}">
-                <a16:creationId xmlns:a16="http://schemas.microsoft.com/office/drawing/2014/main" xmlns="" id="{09D24BE5-E279-4446-8416-D3BBAF001CA1}"/>
+                <a16:creationId xmlns="" xmlns:a16="http://schemas.microsoft.com/office/drawing/2014/main" id="{09D24BE5-E279-4446-8416-D3BBAF001CA1}"/>
               </a:ext>
             </a:extLst>
           </p:cNvPr>
@@ -2990,7 +2989,7 @@
           <p:cNvPr id="6" name="Espaço Reservado para Número de Slide 5">
             <a:extLst>
               <a:ext uri="{FF2B5EF4-FFF2-40B4-BE49-F238E27FC236}">
-                <a16:creationId xmlns:a16="http://schemas.microsoft.com/office/drawing/2014/main" xmlns="" id="{9BEDFB2F-838C-4BED-9252-DD9E42FCB3A7}"/>
+                <a16:creationId xmlns="" xmlns:a16="http://schemas.microsoft.com/office/drawing/2014/main" id="{9BEDFB2F-838C-4BED-9252-DD9E42FCB3A7}"/>
               </a:ext>
             </a:extLst>
           </p:cNvPr>
@@ -3036,7 +3035,7 @@
     </p:spTree>
     <p:extLst>
       <p:ext uri="{BB962C8B-B14F-4D97-AF65-F5344CB8AC3E}">
-        <p14:creationId xmlns:p14="http://schemas.microsoft.com/office/powerpoint/2010/main" xmlns="" val="590322476"/>
+        <p14:creationId xmlns="" xmlns:p14="http://schemas.microsoft.com/office/powerpoint/2010/main" val="590322476"/>
       </p:ext>
     </p:extLst>
   </p:cSld>
@@ -3359,7 +3358,7 @@
           <p:cNvPr id="13" name="Conector reto 12">
             <a:extLst>
               <a:ext uri="{FF2B5EF4-FFF2-40B4-BE49-F238E27FC236}">
-                <a16:creationId xmlns:a16="http://schemas.microsoft.com/office/drawing/2014/main" xmlns="" id="{AC10572C-AD84-4E04-97A1-9AE42E94C04F}"/>
+                <a16:creationId xmlns="" xmlns:a16="http://schemas.microsoft.com/office/drawing/2014/main" id="{AC10572C-AD84-4E04-97A1-9AE42E94C04F}"/>
               </a:ext>
             </a:extLst>
           </p:cNvPr>
@@ -3399,7 +3398,7 @@
           <p:cNvPr id="4" name="CaixaDeTexto 3">
             <a:extLst>
               <a:ext uri="{FF2B5EF4-FFF2-40B4-BE49-F238E27FC236}">
-                <a16:creationId xmlns:a16="http://schemas.microsoft.com/office/drawing/2014/main" xmlns="" id="{BCF28A4E-4FE7-42B8-B6A3-C269858DCD7B}"/>
+                <a16:creationId xmlns="" xmlns:a16="http://schemas.microsoft.com/office/drawing/2014/main" id="{BCF28A4E-4FE7-42B8-B6A3-C269858DCD7B}"/>
               </a:ext>
             </a:extLst>
           </p:cNvPr>
@@ -3434,7 +3433,7 @@
           <p:cNvPr id="5" name="CaixaDeTexto 4">
             <a:extLst>
               <a:ext uri="{FF2B5EF4-FFF2-40B4-BE49-F238E27FC236}">
-                <a16:creationId xmlns:a16="http://schemas.microsoft.com/office/drawing/2014/main" xmlns="" id="{6B3DF36C-DB70-48AD-BFE3-C4B6FF387491}"/>
+                <a16:creationId xmlns="" xmlns:a16="http://schemas.microsoft.com/office/drawing/2014/main" id="{6B3DF36C-DB70-48AD-BFE3-C4B6FF387491}"/>
               </a:ext>
             </a:extLst>
           </p:cNvPr>
@@ -3469,7 +3468,7 @@
           <p:cNvPr id="6" name="Retângulo: Cantos Arredondados 5">
             <a:extLst>
               <a:ext uri="{FF2B5EF4-FFF2-40B4-BE49-F238E27FC236}">
-                <a16:creationId xmlns:a16="http://schemas.microsoft.com/office/drawing/2014/main" xmlns="" id="{925A0A26-EB60-45E6-BA6A-31BAB50419E0}"/>
+                <a16:creationId xmlns="" xmlns:a16="http://schemas.microsoft.com/office/drawing/2014/main" id="{925A0A26-EB60-45E6-BA6A-31BAB50419E0}"/>
               </a:ext>
             </a:extLst>
           </p:cNvPr>
@@ -3518,7 +3517,7 @@
           <p:cNvPr id="11" name="Arco 10">
             <a:extLst>
               <a:ext uri="{FF2B5EF4-FFF2-40B4-BE49-F238E27FC236}">
-                <a16:creationId xmlns:a16="http://schemas.microsoft.com/office/drawing/2014/main" xmlns="" id="{68CDF77B-4884-4215-A7FF-A2FD5F9B3510}"/>
+                <a16:creationId xmlns="" xmlns:a16="http://schemas.microsoft.com/office/drawing/2014/main" id="{68CDF77B-4884-4215-A7FF-A2FD5F9B3510}"/>
               </a:ext>
             </a:extLst>
           </p:cNvPr>
@@ -3565,7 +3564,7 @@
           <p:cNvPr id="15" name="Conector reto 14">
             <a:extLst>
               <a:ext uri="{FF2B5EF4-FFF2-40B4-BE49-F238E27FC236}">
-                <a16:creationId xmlns:a16="http://schemas.microsoft.com/office/drawing/2014/main" xmlns="" id="{CCB89FF5-8694-40E0-8F9F-ADB3FF961FC9}"/>
+                <a16:creationId xmlns="" xmlns:a16="http://schemas.microsoft.com/office/drawing/2014/main" id="{CCB89FF5-8694-40E0-8F9F-ADB3FF961FC9}"/>
               </a:ext>
             </a:extLst>
           </p:cNvPr>
@@ -3605,7 +3604,7 @@
           <p:cNvPr id="16" name="CaixaDeTexto 15">
             <a:extLst>
               <a:ext uri="{FF2B5EF4-FFF2-40B4-BE49-F238E27FC236}">
-                <a16:creationId xmlns:a16="http://schemas.microsoft.com/office/drawing/2014/main" xmlns="" id="{62F8DF29-64DE-46EB-9DE2-27B3A9C40745}"/>
+                <a16:creationId xmlns="" xmlns:a16="http://schemas.microsoft.com/office/drawing/2014/main" id="{62F8DF29-64DE-46EB-9DE2-27B3A9C40745}"/>
               </a:ext>
             </a:extLst>
           </p:cNvPr>
@@ -3644,7 +3643,7 @@
           <p:cNvPr id="17" name="CaixaDeTexto 16">
             <a:extLst>
               <a:ext uri="{FF2B5EF4-FFF2-40B4-BE49-F238E27FC236}">
-                <a16:creationId xmlns:a16="http://schemas.microsoft.com/office/drawing/2014/main" xmlns="" id="{101BEE92-3F81-4AA1-87C6-2279A75F3EF4}"/>
+                <a16:creationId xmlns="" xmlns:a16="http://schemas.microsoft.com/office/drawing/2014/main" id="{101BEE92-3F81-4AA1-87C6-2279A75F3EF4}"/>
               </a:ext>
             </a:extLst>
           </p:cNvPr>
@@ -3708,7 +3707,7 @@
           <p:cNvPr id="26" name="Fluxograma: Fita Perfurada 25">
             <a:extLst>
               <a:ext uri="{FF2B5EF4-FFF2-40B4-BE49-F238E27FC236}">
-                <a16:creationId xmlns:a16="http://schemas.microsoft.com/office/drawing/2014/main" xmlns="" id="{64462F1B-0158-4E05-9E2B-C9F6AB6B0506}"/>
+                <a16:creationId xmlns="" xmlns:a16="http://schemas.microsoft.com/office/drawing/2014/main" id="{64462F1B-0158-4E05-9E2B-C9F6AB6B0506}"/>
               </a:ext>
             </a:extLst>
           </p:cNvPr>
@@ -3755,7 +3754,7 @@
     </p:spTree>
     <p:extLst>
       <p:ext uri="{BB962C8B-B14F-4D97-AF65-F5344CB8AC3E}">
-        <p14:creationId xmlns:p14="http://schemas.microsoft.com/office/powerpoint/2010/main" xmlns="" val="991537918"/>
+        <p14:creationId xmlns="" xmlns:p14="http://schemas.microsoft.com/office/powerpoint/2010/main" val="991537918"/>
       </p:ext>
     </p:extLst>
   </p:cSld>
@@ -3787,7 +3786,7 @@
           <p:cNvPr id="4" name="Fluxograma: Fita Perfurada 3">
             <a:extLst>
               <a:ext uri="{FF2B5EF4-FFF2-40B4-BE49-F238E27FC236}">
-                <a16:creationId xmlns:a16="http://schemas.microsoft.com/office/drawing/2014/main" xmlns="" id="{32401C38-992D-47E0-9755-BDB1FE3F5EFF}"/>
+                <a16:creationId xmlns="" xmlns:a16="http://schemas.microsoft.com/office/drawing/2014/main" id="{32401C38-992D-47E0-9755-BDB1FE3F5EFF}"/>
               </a:ext>
             </a:extLst>
           </p:cNvPr>
@@ -3836,7 +3835,7 @@
           <p:cNvPr id="5" name="Retângulo 4">
             <a:extLst>
               <a:ext uri="{FF2B5EF4-FFF2-40B4-BE49-F238E27FC236}">
-                <a16:creationId xmlns:a16="http://schemas.microsoft.com/office/drawing/2014/main" xmlns="" id="{84E6FB91-137F-434B-B2E4-B87A57DB1EF6}"/>
+                <a16:creationId xmlns="" xmlns:a16="http://schemas.microsoft.com/office/drawing/2014/main" id="{84E6FB91-137F-434B-B2E4-B87A57DB1EF6}"/>
               </a:ext>
             </a:extLst>
           </p:cNvPr>
@@ -3880,7 +3879,7 @@
           <p:cNvPr id="6" name="Retângulo 5">
             <a:extLst>
               <a:ext uri="{FF2B5EF4-FFF2-40B4-BE49-F238E27FC236}">
-                <a16:creationId xmlns:a16="http://schemas.microsoft.com/office/drawing/2014/main" xmlns="" id="{B7C2A746-EE96-4DC6-9450-8D9BBF1B6701}"/>
+                <a16:creationId xmlns="" xmlns:a16="http://schemas.microsoft.com/office/drawing/2014/main" id="{B7C2A746-EE96-4DC6-9450-8D9BBF1B6701}"/>
               </a:ext>
             </a:extLst>
           </p:cNvPr>
@@ -3924,7 +3923,7 @@
           <p:cNvPr id="7" name="CaixaDeTexto 6">
             <a:extLst>
               <a:ext uri="{FF2B5EF4-FFF2-40B4-BE49-F238E27FC236}">
-                <a16:creationId xmlns:a16="http://schemas.microsoft.com/office/drawing/2014/main" xmlns="" id="{FEF973E5-5719-4468-9940-88FA62F9F775}"/>
+                <a16:creationId xmlns="" xmlns:a16="http://schemas.microsoft.com/office/drawing/2014/main" id="{FEF973E5-5719-4468-9940-88FA62F9F775}"/>
               </a:ext>
             </a:extLst>
           </p:cNvPr>
@@ -3959,7 +3958,7 @@
           <p:cNvPr id="8" name="CaixaDeTexto 7">
             <a:extLst>
               <a:ext uri="{FF2B5EF4-FFF2-40B4-BE49-F238E27FC236}">
-                <a16:creationId xmlns:a16="http://schemas.microsoft.com/office/drawing/2014/main" xmlns="" id="{48294AE9-4226-4CBE-88BC-4C871256A72D}"/>
+                <a16:creationId xmlns="" xmlns:a16="http://schemas.microsoft.com/office/drawing/2014/main" id="{48294AE9-4226-4CBE-88BC-4C871256A72D}"/>
               </a:ext>
             </a:extLst>
           </p:cNvPr>
@@ -3994,7 +3993,7 @@
           <p:cNvPr id="10" name="Conector reto 9">
             <a:extLst>
               <a:ext uri="{FF2B5EF4-FFF2-40B4-BE49-F238E27FC236}">
-                <a16:creationId xmlns:a16="http://schemas.microsoft.com/office/drawing/2014/main" xmlns="" id="{AE873BD0-82E8-43F1-8909-A52E709DE2A7}"/>
+                <a16:creationId xmlns="" xmlns:a16="http://schemas.microsoft.com/office/drawing/2014/main" id="{AE873BD0-82E8-43F1-8909-A52E709DE2A7}"/>
               </a:ext>
             </a:extLst>
           </p:cNvPr>
@@ -4033,7 +4032,7 @@
           <p:cNvPr id="11" name="Retângulo: Cantos Arredondados 10">
             <a:extLst>
               <a:ext uri="{FF2B5EF4-FFF2-40B4-BE49-F238E27FC236}">
-                <a16:creationId xmlns:a16="http://schemas.microsoft.com/office/drawing/2014/main" xmlns="" id="{A29CEE4C-089A-48C2-9211-76C27352C7E0}"/>
+                <a16:creationId xmlns="" xmlns:a16="http://schemas.microsoft.com/office/drawing/2014/main" id="{A29CEE4C-089A-48C2-9211-76C27352C7E0}"/>
               </a:ext>
             </a:extLst>
           </p:cNvPr>
@@ -4082,7 +4081,7 @@
           <p:cNvPr id="13" name="Retângulo: Cantos Arredondados 12">
             <a:extLst>
               <a:ext uri="{FF2B5EF4-FFF2-40B4-BE49-F238E27FC236}">
-                <a16:creationId xmlns:a16="http://schemas.microsoft.com/office/drawing/2014/main" xmlns="" id="{D79BF617-C136-44C3-8B82-8631A2853196}"/>
+                <a16:creationId xmlns="" xmlns:a16="http://schemas.microsoft.com/office/drawing/2014/main" id="{D79BF617-C136-44C3-8B82-8631A2853196}"/>
               </a:ext>
             </a:extLst>
           </p:cNvPr>
@@ -4131,7 +4130,7 @@
           <p:cNvPr id="17" name="Colchete Duplo 16">
             <a:extLst>
               <a:ext uri="{FF2B5EF4-FFF2-40B4-BE49-F238E27FC236}">
-                <a16:creationId xmlns:a16="http://schemas.microsoft.com/office/drawing/2014/main" xmlns="" id="{54437193-1A4E-4022-95D7-4A9C8B1C5F2B}"/>
+                <a16:creationId xmlns="" xmlns:a16="http://schemas.microsoft.com/office/drawing/2014/main" id="{54437193-1A4E-4022-95D7-4A9C8B1C5F2B}"/>
               </a:ext>
             </a:extLst>
           </p:cNvPr>
@@ -4184,7 +4183,7 @@
           <p:cNvPr id="20" name="CaixaDeTexto 19">
             <a:extLst>
               <a:ext uri="{FF2B5EF4-FFF2-40B4-BE49-F238E27FC236}">
-                <a16:creationId xmlns:a16="http://schemas.microsoft.com/office/drawing/2014/main" xmlns="" id="{47FDBE90-5D2A-4361-811C-5DAE98BCC05E}"/>
+                <a16:creationId xmlns="" xmlns:a16="http://schemas.microsoft.com/office/drawing/2014/main" id="{47FDBE90-5D2A-4361-811C-5DAE98BCC05E}"/>
               </a:ext>
             </a:extLst>
           </p:cNvPr>
@@ -4219,7 +4218,7 @@
           <p:cNvPr id="21" name="Colchete Duplo 20">
             <a:extLst>
               <a:ext uri="{FF2B5EF4-FFF2-40B4-BE49-F238E27FC236}">
-                <a16:creationId xmlns:a16="http://schemas.microsoft.com/office/drawing/2014/main" xmlns="" id="{F80052AF-522B-438B-8FC7-C81070B515C0}"/>
+                <a16:creationId xmlns="" xmlns:a16="http://schemas.microsoft.com/office/drawing/2014/main" id="{F80052AF-522B-438B-8FC7-C81070B515C0}"/>
               </a:ext>
             </a:extLst>
           </p:cNvPr>
@@ -4266,7 +4265,7 @@
           <p:cNvPr id="22" name="Forma Livre: Forma 21">
             <a:extLst>
               <a:ext uri="{FF2B5EF4-FFF2-40B4-BE49-F238E27FC236}">
-                <a16:creationId xmlns:a16="http://schemas.microsoft.com/office/drawing/2014/main" xmlns="" id="{EC6CA14C-F7D5-469F-BA5E-438FCCAF1699}"/>
+                <a16:creationId xmlns="" xmlns:a16="http://schemas.microsoft.com/office/drawing/2014/main" id="{EC6CA14C-F7D5-469F-BA5E-438FCCAF1699}"/>
               </a:ext>
             </a:extLst>
           </p:cNvPr>
@@ -4371,7 +4370,7 @@
           <p:cNvPr id="23" name="Forma Livre: Forma 22">
             <a:extLst>
               <a:ext uri="{FF2B5EF4-FFF2-40B4-BE49-F238E27FC236}">
-                <a16:creationId xmlns:a16="http://schemas.microsoft.com/office/drawing/2014/main" xmlns="" id="{9D34E92B-49DF-49D1-B490-245682E21E37}"/>
+                <a16:creationId xmlns="" xmlns:a16="http://schemas.microsoft.com/office/drawing/2014/main" id="{9D34E92B-49DF-49D1-B490-245682E21E37}"/>
               </a:ext>
             </a:extLst>
           </p:cNvPr>
@@ -4476,7 +4475,7 @@
           <p:cNvPr id="26" name="Conector reto 25">
             <a:extLst>
               <a:ext uri="{FF2B5EF4-FFF2-40B4-BE49-F238E27FC236}">
-                <a16:creationId xmlns:a16="http://schemas.microsoft.com/office/drawing/2014/main" xmlns="" id="{6EEC0C0B-F99F-49C0-BD7E-0893A652C2C6}"/>
+                <a16:creationId xmlns="" xmlns:a16="http://schemas.microsoft.com/office/drawing/2014/main" id="{6EEC0C0B-F99F-49C0-BD7E-0893A652C2C6}"/>
               </a:ext>
             </a:extLst>
           </p:cNvPr>
@@ -4515,7 +4514,7 @@
           <p:cNvPr id="28" name="Conector reto 27">
             <a:extLst>
               <a:ext uri="{FF2B5EF4-FFF2-40B4-BE49-F238E27FC236}">
-                <a16:creationId xmlns:a16="http://schemas.microsoft.com/office/drawing/2014/main" xmlns="" id="{590C01E3-A2D2-447C-AE82-A63879C56DCE}"/>
+                <a16:creationId xmlns="" xmlns:a16="http://schemas.microsoft.com/office/drawing/2014/main" id="{590C01E3-A2D2-447C-AE82-A63879C56DCE}"/>
               </a:ext>
             </a:extLst>
           </p:cNvPr>
@@ -4581,7 +4580,7 @@
     </p:spTree>
     <p:extLst>
       <p:ext uri="{BB962C8B-B14F-4D97-AF65-F5344CB8AC3E}">
-        <p14:creationId xmlns:p14="http://schemas.microsoft.com/office/powerpoint/2010/main" xmlns="" val="404243178"/>
+        <p14:creationId xmlns="" xmlns:p14="http://schemas.microsoft.com/office/powerpoint/2010/main" val="404243178"/>
       </p:ext>
     </p:extLst>
   </p:cSld>
@@ -4613,7 +4612,7 @@
           <p:cNvPr id="4" name="Fluxograma: Fita Perfurada 3">
             <a:extLst>
               <a:ext uri="{FF2B5EF4-FFF2-40B4-BE49-F238E27FC236}">
-                <a16:creationId xmlns:a16="http://schemas.microsoft.com/office/drawing/2014/main" xmlns="" id="{58D5BF54-EF7D-4CF2-8081-81AABE58CD97}"/>
+                <a16:creationId xmlns="" xmlns:a16="http://schemas.microsoft.com/office/drawing/2014/main" id="{58D5BF54-EF7D-4CF2-8081-81AABE58CD97}"/>
               </a:ext>
             </a:extLst>
           </p:cNvPr>
@@ -4666,7 +4665,7 @@
           <p:cNvPr id="5" name="Retângulo 4">
             <a:extLst>
               <a:ext uri="{FF2B5EF4-FFF2-40B4-BE49-F238E27FC236}">
-                <a16:creationId xmlns:a16="http://schemas.microsoft.com/office/drawing/2014/main" xmlns="" id="{FD3A2B3E-928E-4825-87DC-F8CBF3B27E3F}"/>
+                <a16:creationId xmlns="" xmlns:a16="http://schemas.microsoft.com/office/drawing/2014/main" id="{FD3A2B3E-928E-4825-87DC-F8CBF3B27E3F}"/>
               </a:ext>
             </a:extLst>
           </p:cNvPr>
@@ -4710,7 +4709,7 @@
           <p:cNvPr id="6" name="Retângulo 5">
             <a:extLst>
               <a:ext uri="{FF2B5EF4-FFF2-40B4-BE49-F238E27FC236}">
-                <a16:creationId xmlns:a16="http://schemas.microsoft.com/office/drawing/2014/main" xmlns="" id="{435AFD14-BCF5-4195-B6DB-E8A04B4F7A4F}"/>
+                <a16:creationId xmlns="" xmlns:a16="http://schemas.microsoft.com/office/drawing/2014/main" id="{435AFD14-BCF5-4195-B6DB-E8A04B4F7A4F}"/>
               </a:ext>
             </a:extLst>
           </p:cNvPr>
@@ -4754,7 +4753,7 @@
           <p:cNvPr id="7" name="CaixaDeTexto 6">
             <a:extLst>
               <a:ext uri="{FF2B5EF4-FFF2-40B4-BE49-F238E27FC236}">
-                <a16:creationId xmlns:a16="http://schemas.microsoft.com/office/drawing/2014/main" xmlns="" id="{9C60DB5E-0BB3-43C0-BDBC-D3186DE53857}"/>
+                <a16:creationId xmlns="" xmlns:a16="http://schemas.microsoft.com/office/drawing/2014/main" id="{9C60DB5E-0BB3-43C0-BDBC-D3186DE53857}"/>
               </a:ext>
             </a:extLst>
           </p:cNvPr>
@@ -4789,7 +4788,7 @@
           <p:cNvPr id="8" name="CaixaDeTexto 7">
             <a:extLst>
               <a:ext uri="{FF2B5EF4-FFF2-40B4-BE49-F238E27FC236}">
-                <a16:creationId xmlns:a16="http://schemas.microsoft.com/office/drawing/2014/main" xmlns="" id="{A58DAD2C-9C44-43F4-9100-C8C9AD646BC6}"/>
+                <a16:creationId xmlns="" xmlns:a16="http://schemas.microsoft.com/office/drawing/2014/main" id="{A58DAD2C-9C44-43F4-9100-C8C9AD646BC6}"/>
               </a:ext>
             </a:extLst>
           </p:cNvPr>
@@ -4824,7 +4823,7 @@
           <p:cNvPr id="9" name="Retângulo: Cantos Arredondados 8">
             <a:extLst>
               <a:ext uri="{FF2B5EF4-FFF2-40B4-BE49-F238E27FC236}">
-                <a16:creationId xmlns:a16="http://schemas.microsoft.com/office/drawing/2014/main" xmlns="" id="{298B6369-E611-4A4C-A0E3-4706D12F3E1D}"/>
+                <a16:creationId xmlns="" xmlns:a16="http://schemas.microsoft.com/office/drawing/2014/main" id="{298B6369-E611-4A4C-A0E3-4706D12F3E1D}"/>
               </a:ext>
             </a:extLst>
           </p:cNvPr>
@@ -4874,7 +4873,7 @@
           <p:cNvPr id="10" name="CaixaDeTexto 9">
             <a:extLst>
               <a:ext uri="{FF2B5EF4-FFF2-40B4-BE49-F238E27FC236}">
-                <a16:creationId xmlns:a16="http://schemas.microsoft.com/office/drawing/2014/main" xmlns="" id="{001AA7AE-8195-4699-88A6-E290681C814A}"/>
+                <a16:creationId xmlns="" xmlns:a16="http://schemas.microsoft.com/office/drawing/2014/main" id="{001AA7AE-8195-4699-88A6-E290681C814A}"/>
               </a:ext>
             </a:extLst>
           </p:cNvPr>
@@ -4909,7 +4908,7 @@
           <p:cNvPr id="11" name="Colchete Duplo 10">
             <a:extLst>
               <a:ext uri="{FF2B5EF4-FFF2-40B4-BE49-F238E27FC236}">
-                <a16:creationId xmlns:a16="http://schemas.microsoft.com/office/drawing/2014/main" xmlns="" id="{8CF7CDEB-46BE-4563-934B-2967B8934D8B}"/>
+                <a16:creationId xmlns="" xmlns:a16="http://schemas.microsoft.com/office/drawing/2014/main" id="{8CF7CDEB-46BE-4563-934B-2967B8934D8B}"/>
               </a:ext>
             </a:extLst>
           </p:cNvPr>
@@ -4953,7 +4952,7 @@
           <p:cNvPr id="12" name="Conector reto 11">
             <a:extLst>
               <a:ext uri="{FF2B5EF4-FFF2-40B4-BE49-F238E27FC236}">
-                <a16:creationId xmlns:a16="http://schemas.microsoft.com/office/drawing/2014/main" xmlns="" id="{F71F1DB7-0FE1-4E08-A2B8-1F67E4134E33}"/>
+                <a16:creationId xmlns="" xmlns:a16="http://schemas.microsoft.com/office/drawing/2014/main" id="{F71F1DB7-0FE1-4E08-A2B8-1F67E4134E33}"/>
               </a:ext>
             </a:extLst>
           </p:cNvPr>
@@ -4992,7 +4991,7 @@
           <p:cNvPr id="13" name="Conector reto 12">
             <a:extLst>
               <a:ext uri="{FF2B5EF4-FFF2-40B4-BE49-F238E27FC236}">
-                <a16:creationId xmlns:a16="http://schemas.microsoft.com/office/drawing/2014/main" xmlns="" id="{2862BD8C-D2D8-4F00-9911-F3577C8849C5}"/>
+                <a16:creationId xmlns="" xmlns:a16="http://schemas.microsoft.com/office/drawing/2014/main" id="{2862BD8C-D2D8-4F00-9911-F3577C8849C5}"/>
               </a:ext>
             </a:extLst>
           </p:cNvPr>
@@ -5032,7 +5031,7 @@
           <p:cNvPr id="15" name="Forma Livre: Forma 14">
             <a:extLst>
               <a:ext uri="{FF2B5EF4-FFF2-40B4-BE49-F238E27FC236}">
-                <a16:creationId xmlns:a16="http://schemas.microsoft.com/office/drawing/2014/main" xmlns="" id="{F678F929-5757-473C-9A48-70EB1C67F2F1}"/>
+                <a16:creationId xmlns="" xmlns:a16="http://schemas.microsoft.com/office/drawing/2014/main" id="{F678F929-5757-473C-9A48-70EB1C67F2F1}"/>
               </a:ext>
             </a:extLst>
           </p:cNvPr>
@@ -5175,7 +5174,7 @@
     </p:spTree>
     <p:extLst>
       <p:ext uri="{BB962C8B-B14F-4D97-AF65-F5344CB8AC3E}">
-        <p14:creationId xmlns:p14="http://schemas.microsoft.com/office/powerpoint/2010/main" xmlns="" val="1444537562"/>
+        <p14:creationId xmlns="" xmlns:p14="http://schemas.microsoft.com/office/powerpoint/2010/main" val="1444537562"/>
       </p:ext>
     </p:extLst>
   </p:cSld>
@@ -5207,7 +5206,7 @@
           <p:cNvPr id="4" name="Fluxograma: Fita Perfurada 3">
             <a:extLst>
               <a:ext uri="{FF2B5EF4-FFF2-40B4-BE49-F238E27FC236}">
-                <a16:creationId xmlns:a16="http://schemas.microsoft.com/office/drawing/2014/main" xmlns="" id="{05B27768-63DA-4DEA-892D-F3D03C01DFFB}"/>
+                <a16:creationId xmlns="" xmlns:a16="http://schemas.microsoft.com/office/drawing/2014/main" id="{05B27768-63DA-4DEA-892D-F3D03C01DFFB}"/>
               </a:ext>
             </a:extLst>
           </p:cNvPr>
@@ -5260,7 +5259,7 @@
           <p:cNvPr id="12" name="Retângulo 11">
             <a:extLst>
               <a:ext uri="{FF2B5EF4-FFF2-40B4-BE49-F238E27FC236}">
-                <a16:creationId xmlns:a16="http://schemas.microsoft.com/office/drawing/2014/main" xmlns="" id="{2F27ADA6-2380-4AA2-8D71-09B8C70B3DC8}"/>
+                <a16:creationId xmlns="" xmlns:a16="http://schemas.microsoft.com/office/drawing/2014/main" id="{2F27ADA6-2380-4AA2-8D71-09B8C70B3DC8}"/>
               </a:ext>
             </a:extLst>
           </p:cNvPr>
@@ -5304,7 +5303,7 @@
           <p:cNvPr id="13" name="Retângulo 12">
             <a:extLst>
               <a:ext uri="{FF2B5EF4-FFF2-40B4-BE49-F238E27FC236}">
-                <a16:creationId xmlns:a16="http://schemas.microsoft.com/office/drawing/2014/main" xmlns="" id="{2F298462-2801-4964-BA24-1A2C3675ACCF}"/>
+                <a16:creationId xmlns="" xmlns:a16="http://schemas.microsoft.com/office/drawing/2014/main" id="{2F298462-2801-4964-BA24-1A2C3675ACCF}"/>
               </a:ext>
             </a:extLst>
           </p:cNvPr>
@@ -5348,7 +5347,7 @@
           <p:cNvPr id="14" name="CaixaDeTexto 13">
             <a:extLst>
               <a:ext uri="{FF2B5EF4-FFF2-40B4-BE49-F238E27FC236}">
-                <a16:creationId xmlns:a16="http://schemas.microsoft.com/office/drawing/2014/main" xmlns="" id="{B511D0A8-6696-46E3-8D73-81013B8968B2}"/>
+                <a16:creationId xmlns="" xmlns:a16="http://schemas.microsoft.com/office/drawing/2014/main" id="{B511D0A8-6696-46E3-8D73-81013B8968B2}"/>
               </a:ext>
             </a:extLst>
           </p:cNvPr>
@@ -5383,7 +5382,7 @@
           <p:cNvPr id="15" name="CaixaDeTexto 14">
             <a:extLst>
               <a:ext uri="{FF2B5EF4-FFF2-40B4-BE49-F238E27FC236}">
-                <a16:creationId xmlns:a16="http://schemas.microsoft.com/office/drawing/2014/main" xmlns="" id="{7EF1A9BD-143D-4C64-954C-D5566ED3F466}"/>
+                <a16:creationId xmlns="" xmlns:a16="http://schemas.microsoft.com/office/drawing/2014/main" id="{7EF1A9BD-143D-4C64-954C-D5566ED3F466}"/>
               </a:ext>
             </a:extLst>
           </p:cNvPr>
@@ -5418,7 +5417,7 @@
           <p:cNvPr id="17" name="Retângulo: Cantos Arredondados 16">
             <a:extLst>
               <a:ext uri="{FF2B5EF4-FFF2-40B4-BE49-F238E27FC236}">
-                <a16:creationId xmlns:a16="http://schemas.microsoft.com/office/drawing/2014/main" xmlns="" id="{C5DFBE45-98AF-4D92-A056-2719794CA473}"/>
+                <a16:creationId xmlns="" xmlns:a16="http://schemas.microsoft.com/office/drawing/2014/main" id="{C5DFBE45-98AF-4D92-A056-2719794CA473}"/>
               </a:ext>
             </a:extLst>
           </p:cNvPr>
@@ -5468,7 +5467,7 @@
           <p:cNvPr id="20" name="CaixaDeTexto 19">
             <a:extLst>
               <a:ext uri="{FF2B5EF4-FFF2-40B4-BE49-F238E27FC236}">
-                <a16:creationId xmlns:a16="http://schemas.microsoft.com/office/drawing/2014/main" xmlns="" id="{159CB8A5-5136-44C0-8752-E12C6C884E6F}"/>
+                <a16:creationId xmlns="" xmlns:a16="http://schemas.microsoft.com/office/drawing/2014/main" id="{159CB8A5-5136-44C0-8752-E12C6C884E6F}"/>
               </a:ext>
             </a:extLst>
           </p:cNvPr>
@@ -5503,7 +5502,7 @@
           <p:cNvPr id="21" name="Colchete Duplo 20">
             <a:extLst>
               <a:ext uri="{FF2B5EF4-FFF2-40B4-BE49-F238E27FC236}">
-                <a16:creationId xmlns:a16="http://schemas.microsoft.com/office/drawing/2014/main" xmlns="" id="{A2D5BE2E-E64F-4A8A-A2FF-711772527D9D}"/>
+                <a16:creationId xmlns="" xmlns:a16="http://schemas.microsoft.com/office/drawing/2014/main" id="{A2D5BE2E-E64F-4A8A-A2FF-711772527D9D}"/>
               </a:ext>
             </a:extLst>
           </p:cNvPr>
@@ -5547,7 +5546,7 @@
           <p:cNvPr id="24" name="Conector reto 23">
             <a:extLst>
               <a:ext uri="{FF2B5EF4-FFF2-40B4-BE49-F238E27FC236}">
-                <a16:creationId xmlns:a16="http://schemas.microsoft.com/office/drawing/2014/main" xmlns="" id="{4A603600-5267-472C-A715-5191002CAF13}"/>
+                <a16:creationId xmlns="" xmlns:a16="http://schemas.microsoft.com/office/drawing/2014/main" id="{4A603600-5267-472C-A715-5191002CAF13}"/>
               </a:ext>
             </a:extLst>
           </p:cNvPr>
@@ -5585,7 +5584,7 @@
           <p:cNvPr id="26" name="Conector reto 25">
             <a:extLst>
               <a:ext uri="{FF2B5EF4-FFF2-40B4-BE49-F238E27FC236}">
-                <a16:creationId xmlns:a16="http://schemas.microsoft.com/office/drawing/2014/main" xmlns="" id="{A16E9B22-38B9-46A2-BFBC-CBA78C7DC48A}"/>
+                <a16:creationId xmlns="" xmlns:a16="http://schemas.microsoft.com/office/drawing/2014/main" id="{A16E9B22-38B9-46A2-BFBC-CBA78C7DC48A}"/>
               </a:ext>
             </a:extLst>
           </p:cNvPr>
@@ -5625,7 +5624,7 @@
           <p:cNvPr id="35" name="Forma Livre: Forma 34">
             <a:extLst>
               <a:ext uri="{FF2B5EF4-FFF2-40B4-BE49-F238E27FC236}">
-                <a16:creationId xmlns:a16="http://schemas.microsoft.com/office/drawing/2014/main" xmlns="" id="{44DD529B-A5DE-4DEA-85D6-D10E8C84D351}"/>
+                <a16:creationId xmlns="" xmlns:a16="http://schemas.microsoft.com/office/drawing/2014/main" id="{44DD529B-A5DE-4DEA-85D6-D10E8C84D351}"/>
               </a:ext>
             </a:extLst>
           </p:cNvPr>
@@ -5730,7 +5729,7 @@
           <p:cNvPr id="18" name="Retângulo: Cantos Arredondados 16">
             <a:extLst>
               <a:ext uri="{FF2B5EF4-FFF2-40B4-BE49-F238E27FC236}">
-                <a16:creationId xmlns:a16="http://schemas.microsoft.com/office/drawing/2014/main" xmlns="" id="{C5DFBE45-98AF-4D92-A056-2719794CA473}"/>
+                <a16:creationId xmlns="" xmlns:a16="http://schemas.microsoft.com/office/drawing/2014/main" id="{C5DFBE45-98AF-4D92-A056-2719794CA473}"/>
               </a:ext>
             </a:extLst>
           </p:cNvPr>
@@ -5780,7 +5779,7 @@
           <p:cNvPr id="22" name="Colchete Duplo 20">
             <a:extLst>
               <a:ext uri="{FF2B5EF4-FFF2-40B4-BE49-F238E27FC236}">
-                <a16:creationId xmlns:a16="http://schemas.microsoft.com/office/drawing/2014/main" xmlns="" id="{A2D5BE2E-E64F-4A8A-A2FF-711772527D9D}"/>
+                <a16:creationId xmlns="" xmlns:a16="http://schemas.microsoft.com/office/drawing/2014/main" id="{A2D5BE2E-E64F-4A8A-A2FF-711772527D9D}"/>
               </a:ext>
             </a:extLst>
           </p:cNvPr>
@@ -5989,659 +5988,9 @@
     </p:spTree>
     <p:extLst>
       <p:ext uri="{BB962C8B-B14F-4D97-AF65-F5344CB8AC3E}">
-        <p14:creationId xmlns:p14="http://schemas.microsoft.com/office/powerpoint/2010/main" xmlns="" val="4112203041"/>
+        <p14:creationId xmlns="" xmlns:p14="http://schemas.microsoft.com/office/powerpoint/2010/main" val="4112203041"/>
       </p:ext>
     </p:extLst>
-  </p:cSld>
-  <p:clrMapOvr>
-    <a:masterClrMapping/>
-  </p:clrMapOvr>
-</p:sld>
-</file>
-
-<file path=ppt/slides/slide5.xml><?xml version="1.0" encoding="utf-8"?>
-<p:sld xmlns:a="http://schemas.openxmlformats.org/drawingml/2006/main" xmlns:r="http://schemas.openxmlformats.org/officeDocument/2006/relationships" xmlns:p="http://schemas.openxmlformats.org/presentationml/2006/main">
-  <p:cSld>
-    <p:spTree>
-      <p:nvGrpSpPr>
-        <p:cNvPr id="1" name=""/>
-        <p:cNvGrpSpPr/>
-        <p:nvPr/>
-      </p:nvGrpSpPr>
-      <p:grpSpPr>
-        <a:xfrm>
-          <a:off x="0" y="0"/>
-          <a:ext cx="0" cy="0"/>
-          <a:chOff x="0" y="0"/>
-          <a:chExt cx="0" cy="0"/>
-        </a:xfrm>
-      </p:grpSpPr>
-      <p:sp>
-        <p:nvSpPr>
-          <p:cNvPr id="4" name="Fluxograma: Fita Perfurada 3">
-            <a:extLst>
-              <a:ext uri="{FF2B5EF4-FFF2-40B4-BE49-F238E27FC236}">
-                <a16:creationId xmlns:a16="http://schemas.microsoft.com/office/drawing/2014/main" xmlns="" id="{58D5BF54-EF7D-4CF2-8081-81AABE58CD97}"/>
-              </a:ext>
-            </a:extLst>
-          </p:cNvPr>
-          <p:cNvSpPr/>
-          <p:nvPr/>
-        </p:nvSpPr>
-        <p:spPr>
-          <a:xfrm>
-            <a:off x="5218202" y="391886"/>
-            <a:ext cx="2107096" cy="1338470"/>
-          </a:xfrm>
-          <a:prstGeom prst="flowChartPunchedTape">
-            <a:avLst/>
-          </a:prstGeom>
-        </p:spPr>
-        <p:style>
-          <a:lnRef idx="2">
-            <a:schemeClr val="dk1">
-              <a:shade val="50000"/>
-            </a:schemeClr>
-          </a:lnRef>
-          <a:fillRef idx="1">
-            <a:schemeClr val="dk1"/>
-          </a:fillRef>
-          <a:effectRef idx="0">
-            <a:schemeClr val="dk1"/>
-          </a:effectRef>
-          <a:fontRef idx="minor">
-            <a:schemeClr val="lt1"/>
-          </a:fontRef>
-        </p:style>
-        <p:txBody>
-          <a:bodyPr rtlCol="0" anchor="ctr"/>
-          <a:lstStyle/>
-          <a:p>
-            <a:pPr algn="ctr"/>
-            <a:endParaRPr lang="pt-BR" dirty="0" smtClean="0"/>
-          </a:p>
-          <a:p>
-            <a:pPr algn="ctr"/>
-            <a:r>
-              <a:rPr lang="pt-BR" dirty="0" smtClean="0"/>
-              <a:t>ABASTECER</a:t>
-            </a:r>
-            <a:r>
-              <a:rPr lang="pt-BR" dirty="0" smtClean="0"/>
-              <a:t> </a:t>
-            </a:r>
-            <a:r>
-              <a:rPr lang="pt-BR" dirty="0" smtClean="0"/>
-              <a:t>PRODUTOS</a:t>
-            </a:r>
-          </a:p>
-          <a:p>
-            <a:pPr algn="ctr"/>
-            <a:r>
-              <a:rPr lang="pt-BR" dirty="0" smtClean="0"/>
-              <a:t> </a:t>
-            </a:r>
-            <a:endParaRPr lang="pt-BR" dirty="0"/>
-          </a:p>
-        </p:txBody>
-      </p:sp>
-      <p:sp>
-        <p:nvSpPr>
-          <p:cNvPr id="5" name="Retângulo 4">
-            <a:extLst>
-              <a:ext uri="{FF2B5EF4-FFF2-40B4-BE49-F238E27FC236}">
-                <a16:creationId xmlns:a16="http://schemas.microsoft.com/office/drawing/2014/main" xmlns="" id="{FD3A2B3E-928E-4825-87DC-F8CBF3B27E3F}"/>
-              </a:ext>
-            </a:extLst>
-          </p:cNvPr>
-          <p:cNvSpPr/>
-          <p:nvPr/>
-        </p:nvSpPr>
-        <p:spPr>
-          <a:xfrm>
-            <a:off x="0" y="2411895"/>
-            <a:ext cx="12192000" cy="3730487"/>
-          </a:xfrm>
-          <a:prstGeom prst="rect">
-            <a:avLst/>
-          </a:prstGeom>
-        </p:spPr>
-        <p:style>
-          <a:lnRef idx="2">
-            <a:schemeClr val="accent6"/>
-          </a:lnRef>
-          <a:fillRef idx="1">
-            <a:schemeClr val="lt1"/>
-          </a:fillRef>
-          <a:effectRef idx="0">
-            <a:schemeClr val="accent6"/>
-          </a:effectRef>
-          <a:fontRef idx="minor">
-            <a:schemeClr val="dk1"/>
-          </a:fontRef>
-        </p:style>
-        <p:txBody>
-          <a:bodyPr rtlCol="0" anchor="ctr"/>
-          <a:lstStyle/>
-          <a:p>
-            <a:pPr algn="ctr"/>
-            <a:endParaRPr lang="pt-BR" u="sng" dirty="0"/>
-          </a:p>
-        </p:txBody>
-      </p:sp>
-      <p:sp>
-        <p:nvSpPr>
-          <p:cNvPr id="6" name="Retângulo 5">
-            <a:extLst>
-              <a:ext uri="{FF2B5EF4-FFF2-40B4-BE49-F238E27FC236}">
-                <a16:creationId xmlns:a16="http://schemas.microsoft.com/office/drawing/2014/main" xmlns="" id="{435AFD14-BCF5-4195-B6DB-E8A04B4F7A4F}"/>
-              </a:ext>
-            </a:extLst>
-          </p:cNvPr>
-          <p:cNvSpPr/>
-          <p:nvPr/>
-        </p:nvSpPr>
-        <p:spPr>
-          <a:xfrm>
-            <a:off x="0" y="4205667"/>
-            <a:ext cx="12192000" cy="1914940"/>
-          </a:xfrm>
-          <a:prstGeom prst="rect">
-            <a:avLst/>
-          </a:prstGeom>
-        </p:spPr>
-        <p:style>
-          <a:lnRef idx="2">
-            <a:schemeClr val="accent6"/>
-          </a:lnRef>
-          <a:fillRef idx="1">
-            <a:schemeClr val="lt1"/>
-          </a:fillRef>
-          <a:effectRef idx="0">
-            <a:schemeClr val="accent6"/>
-          </a:effectRef>
-          <a:fontRef idx="minor">
-            <a:schemeClr val="dk1"/>
-          </a:fontRef>
-        </p:style>
-        <p:txBody>
-          <a:bodyPr rtlCol="0" anchor="ctr"/>
-          <a:lstStyle/>
-          <a:p>
-            <a:pPr algn="ctr"/>
-            <a:endParaRPr lang="pt-BR" dirty="0"/>
-          </a:p>
-        </p:txBody>
-      </p:sp>
-      <p:sp>
-        <p:nvSpPr>
-          <p:cNvPr id="7" name="CaixaDeTexto 6">
-            <a:extLst>
-              <a:ext uri="{FF2B5EF4-FFF2-40B4-BE49-F238E27FC236}">
-                <a16:creationId xmlns:a16="http://schemas.microsoft.com/office/drawing/2014/main" xmlns="" id="{9C60DB5E-0BB3-43C0-BDBC-D3186DE53857}"/>
-              </a:ext>
-            </a:extLst>
-          </p:cNvPr>
-          <p:cNvSpPr txBox="1"/>
-          <p:nvPr/>
-        </p:nvSpPr>
-        <p:spPr>
-          <a:xfrm>
-            <a:off x="0" y="2517913"/>
-            <a:ext cx="2054087" cy="369332"/>
-          </a:xfrm>
-          <a:prstGeom prst="rect">
-            <a:avLst/>
-          </a:prstGeom>
-          <a:noFill/>
-        </p:spPr>
-        <p:txBody>
-          <a:bodyPr wrap="square" rtlCol="0">
-            <a:spAutoFit/>
-          </a:bodyPr>
-          <a:lstStyle/>
-          <a:p>
-            <a:r>
-              <a:rPr lang="pt-BR" dirty="0"/>
-              <a:t>NÓS OPERACIONAIS</a:t>
-            </a:r>
-          </a:p>
-        </p:txBody>
-      </p:sp>
-      <p:sp>
-        <p:nvSpPr>
-          <p:cNvPr id="8" name="CaixaDeTexto 7">
-            <a:extLst>
-              <a:ext uri="{FF2B5EF4-FFF2-40B4-BE49-F238E27FC236}">
-                <a16:creationId xmlns:a16="http://schemas.microsoft.com/office/drawing/2014/main" xmlns="" id="{A58DAD2C-9C44-43F4-9100-C8C9AD646BC6}"/>
-              </a:ext>
-            </a:extLst>
-          </p:cNvPr>
-          <p:cNvSpPr txBox="1"/>
-          <p:nvPr/>
-        </p:nvSpPr>
-        <p:spPr>
-          <a:xfrm>
-            <a:off x="1308653" y="3555200"/>
-            <a:ext cx="1681290" cy="369332"/>
-          </a:xfrm>
-          <a:prstGeom prst="rect">
-            <a:avLst/>
-          </a:prstGeom>
-          <a:noFill/>
-        </p:spPr>
-        <p:txBody>
-          <a:bodyPr wrap="square" rtlCol="0">
-            <a:spAutoFit/>
-          </a:bodyPr>
-          <a:lstStyle/>
-          <a:p>
-            <a:r>
-              <a:rPr lang="pt-BR" dirty="0" smtClean="0"/>
-              <a:t>FORNECEDOR</a:t>
-            </a:r>
-            <a:endParaRPr lang="pt-BR" dirty="0"/>
-          </a:p>
-        </p:txBody>
-      </p:sp>
-      <p:sp>
-        <p:nvSpPr>
-          <p:cNvPr id="9" name="Retângulo: Cantos Arredondados 8">
-            <a:extLst>
-              <a:ext uri="{FF2B5EF4-FFF2-40B4-BE49-F238E27FC236}">
-                <a16:creationId xmlns:a16="http://schemas.microsoft.com/office/drawing/2014/main" xmlns="" id="{298B6369-E611-4A4C-A0E3-4706D12F3E1D}"/>
-              </a:ext>
-            </a:extLst>
-          </p:cNvPr>
-          <p:cNvSpPr/>
-          <p:nvPr/>
-        </p:nvSpPr>
-        <p:spPr>
-          <a:xfrm>
-            <a:off x="4631636" y="2775150"/>
-            <a:ext cx="2199860" cy="1101659"/>
-          </a:xfrm>
-          <a:prstGeom prst="roundRect">
-            <a:avLst/>
-          </a:prstGeom>
-        </p:spPr>
-        <p:style>
-          <a:lnRef idx="2">
-            <a:schemeClr val="accent1">
-              <a:shade val="50000"/>
-            </a:schemeClr>
-          </a:lnRef>
-          <a:fillRef idx="1">
-            <a:schemeClr val="accent1"/>
-          </a:fillRef>
-          <a:effectRef idx="0">
-            <a:schemeClr val="accent1"/>
-          </a:effectRef>
-          <a:fontRef idx="minor">
-            <a:schemeClr val="lt1"/>
-          </a:fontRef>
-        </p:style>
-        <p:txBody>
-          <a:bodyPr rtlCol="0" anchor="ctr"/>
-          <a:lstStyle/>
-          <a:p>
-            <a:pPr algn="ctr"/>
-            <a:r>
-              <a:rPr lang="pt-BR" dirty="0" smtClean="0"/>
-              <a:t>    </a:t>
-            </a:r>
-            <a:endParaRPr lang="pt-BR" dirty="0"/>
-          </a:p>
-        </p:txBody>
-      </p:sp>
-      <p:sp>
-        <p:nvSpPr>
-          <p:cNvPr id="10" name="CaixaDeTexto 9">
-            <a:extLst>
-              <a:ext uri="{FF2B5EF4-FFF2-40B4-BE49-F238E27FC236}">
-                <a16:creationId xmlns:a16="http://schemas.microsoft.com/office/drawing/2014/main" xmlns="" id="{001AA7AE-8195-4699-88A6-E290681C814A}"/>
-              </a:ext>
-            </a:extLst>
-          </p:cNvPr>
-          <p:cNvSpPr txBox="1"/>
-          <p:nvPr/>
-        </p:nvSpPr>
-        <p:spPr>
-          <a:xfrm>
-            <a:off x="0" y="4446103"/>
-            <a:ext cx="2981739" cy="369332"/>
-          </a:xfrm>
-          <a:prstGeom prst="rect">
-            <a:avLst/>
-          </a:prstGeom>
-          <a:noFill/>
-        </p:spPr>
-        <p:txBody>
-          <a:bodyPr wrap="square" rtlCol="0">
-            <a:spAutoFit/>
-          </a:bodyPr>
-          <a:lstStyle/>
-          <a:p>
-            <a:r>
-              <a:rPr lang="pt-BR" dirty="0"/>
-              <a:t>CAPACIDADES OPERACIONAIS</a:t>
-            </a:r>
-          </a:p>
-        </p:txBody>
-      </p:sp>
-      <p:sp>
-        <p:nvSpPr>
-          <p:cNvPr id="11" name="Colchete Duplo 10">
-            <a:extLst>
-              <a:ext uri="{FF2B5EF4-FFF2-40B4-BE49-F238E27FC236}">
-                <a16:creationId xmlns:a16="http://schemas.microsoft.com/office/drawing/2014/main" xmlns="" id="{8CF7CDEB-46BE-4563-934B-2967B8934D8B}"/>
-              </a:ext>
-            </a:extLst>
-          </p:cNvPr>
-          <p:cNvSpPr/>
-          <p:nvPr/>
-        </p:nvSpPr>
-        <p:spPr>
-          <a:xfrm>
-            <a:off x="3962399" y="4659086"/>
-            <a:ext cx="3309257" cy="1219593"/>
-          </a:xfrm>
-          <a:prstGeom prst="bracketPair">
-            <a:avLst/>
-          </a:prstGeom>
-        </p:spPr>
-        <p:style>
-          <a:lnRef idx="1">
-            <a:schemeClr val="accent1"/>
-          </a:lnRef>
-          <a:fillRef idx="0">
-            <a:schemeClr val="accent1"/>
-          </a:fillRef>
-          <a:effectRef idx="0">
-            <a:schemeClr val="accent1"/>
-          </a:effectRef>
-          <a:fontRef idx="minor">
-            <a:schemeClr val="tx1"/>
-          </a:fontRef>
-        </p:style>
-        <p:txBody>
-          <a:bodyPr rtlCol="0" anchor="ctr"/>
-          <a:lstStyle/>
-          <a:p>
-            <a:pPr marL="285750" indent="-285750" algn="just"/>
-            <a:endParaRPr lang="pt-BR" dirty="0"/>
-          </a:p>
-        </p:txBody>
-      </p:sp>
-      <p:cxnSp>
-        <p:nvCxnSpPr>
-          <p:cNvPr id="12" name="Conector reto 11">
-            <a:extLst>
-              <a:ext uri="{FF2B5EF4-FFF2-40B4-BE49-F238E27FC236}">
-                <a16:creationId xmlns:a16="http://schemas.microsoft.com/office/drawing/2014/main" xmlns="" id="{F71F1DB7-0FE1-4E08-A2B8-1F67E4134E33}"/>
-              </a:ext>
-            </a:extLst>
-          </p:cNvPr>
-          <p:cNvCxnSpPr>
-            <a:stCxn id="9" idx="0"/>
-            <a:endCxn id="4" idx="2"/>
-          </p:cNvCxnSpPr>
-          <p:nvPr/>
-        </p:nvCxnSpPr>
-        <p:spPr>
-          <a:xfrm rot="5400000" flipH="1" flipV="1">
-            <a:off x="5412338" y="1915738"/>
-            <a:ext cx="1178641" cy="540184"/>
-          </a:xfrm>
-          <a:prstGeom prst="line">
-            <a:avLst/>
-          </a:prstGeom>
-        </p:spPr>
-        <p:style>
-          <a:lnRef idx="1">
-            <a:schemeClr val="accent1"/>
-          </a:lnRef>
-          <a:fillRef idx="0">
-            <a:schemeClr val="accent1"/>
-          </a:fillRef>
-          <a:effectRef idx="0">
-            <a:schemeClr val="accent1"/>
-          </a:effectRef>
-          <a:fontRef idx="minor">
-            <a:schemeClr val="tx1"/>
-          </a:fontRef>
-        </p:style>
-      </p:cxnSp>
-      <p:cxnSp>
-        <p:nvCxnSpPr>
-          <p:cNvPr id="13" name="Conector reto 12">
-            <a:extLst>
-              <a:ext uri="{FF2B5EF4-FFF2-40B4-BE49-F238E27FC236}">
-                <a16:creationId xmlns:a16="http://schemas.microsoft.com/office/drawing/2014/main" xmlns="" id="{2862BD8C-D2D8-4F00-9911-F3577C8849C5}"/>
-              </a:ext>
-            </a:extLst>
-          </p:cNvPr>
-          <p:cNvCxnSpPr>
-            <a:cxnSpLocks/>
-            <a:stCxn id="8" idx="0"/>
-            <a:endCxn id="4" idx="1"/>
-          </p:cNvCxnSpPr>
-          <p:nvPr/>
-        </p:nvCxnSpPr>
-        <p:spPr>
-          <a:xfrm rot="5400000" flipH="1" flipV="1">
-            <a:off x="2436711" y="773709"/>
-            <a:ext cx="2494079" cy="3068904"/>
-          </a:xfrm>
-          <a:prstGeom prst="line">
-            <a:avLst/>
-          </a:prstGeom>
-        </p:spPr>
-        <p:style>
-          <a:lnRef idx="1">
-            <a:schemeClr val="accent1"/>
-          </a:lnRef>
-          <a:fillRef idx="0">
-            <a:schemeClr val="accent1"/>
-          </a:fillRef>
-          <a:effectRef idx="0">
-            <a:schemeClr val="accent1"/>
-          </a:effectRef>
-          <a:fontRef idx="minor">
-            <a:schemeClr val="tx1"/>
-          </a:fontRef>
-        </p:style>
-      </p:cxnSp>
-      <p:sp>
-        <p:nvSpPr>
-          <p:cNvPr id="14" name="Forma Livre: Forma 14">
-            <a:extLst>
-              <a:ext uri="{FF2B5EF4-FFF2-40B4-BE49-F238E27FC236}">
-                <a16:creationId xmlns:a16="http://schemas.microsoft.com/office/drawing/2014/main" xmlns="" id="{F678F929-5757-473C-9A48-70EB1C67F2F1}"/>
-              </a:ext>
-            </a:extLst>
-          </p:cNvPr>
-          <p:cNvSpPr/>
-          <p:nvPr/>
-        </p:nvSpPr>
-        <p:spPr>
-          <a:xfrm>
-            <a:off x="5847073" y="3849443"/>
-            <a:ext cx="1939525" cy="1234639"/>
-          </a:xfrm>
-          <a:custGeom>
-            <a:avLst/>
-            <a:gdLst>
-              <a:gd name="connsiteX0" fmla="*/ 123977 w 1895314"/>
-              <a:gd name="connsiteY0" fmla="*/ 0 h 1311965"/>
-              <a:gd name="connsiteX1" fmla="*/ 150482 w 1895314"/>
-              <a:gd name="connsiteY1" fmla="*/ 516834 h 1311965"/>
-              <a:gd name="connsiteX2" fmla="*/ 1621473 w 1895314"/>
-              <a:gd name="connsiteY2" fmla="*/ 596347 h 1311965"/>
-              <a:gd name="connsiteX3" fmla="*/ 1886516 w 1895314"/>
-              <a:gd name="connsiteY3" fmla="*/ 1219200 h 1311965"/>
-              <a:gd name="connsiteX4" fmla="*/ 1488951 w 1895314"/>
-              <a:gd name="connsiteY4" fmla="*/ 1311965 h 1311965"/>
-            </a:gdLst>
-            <a:ahLst/>
-            <a:cxnLst>
-              <a:cxn ang="0">
-                <a:pos x="connsiteX0" y="connsiteY0"/>
-              </a:cxn>
-              <a:cxn ang="0">
-                <a:pos x="connsiteX1" y="connsiteY1"/>
-              </a:cxn>
-              <a:cxn ang="0">
-                <a:pos x="connsiteX2" y="connsiteY2"/>
-              </a:cxn>
-              <a:cxn ang="0">
-                <a:pos x="connsiteX3" y="connsiteY3"/>
-              </a:cxn>
-              <a:cxn ang="0">
-                <a:pos x="connsiteX4" y="connsiteY4"/>
-              </a:cxn>
-            </a:cxnLst>
-            <a:rect l="l" t="t" r="r" b="b"/>
-            <a:pathLst>
-              <a:path w="1895314" h="1311965">
-                <a:moveTo>
-                  <a:pt x="123977" y="0"/>
-                </a:moveTo>
-                <a:cubicBezTo>
-                  <a:pt x="12438" y="208721"/>
-                  <a:pt x="-99101" y="417443"/>
-                  <a:pt x="150482" y="516834"/>
-                </a:cubicBezTo>
-                <a:cubicBezTo>
-                  <a:pt x="400065" y="616225"/>
-                  <a:pt x="1332134" y="479286"/>
-                  <a:pt x="1621473" y="596347"/>
-                </a:cubicBezTo>
-                <a:cubicBezTo>
-                  <a:pt x="1910812" y="713408"/>
-                  <a:pt x="1908603" y="1099930"/>
-                  <a:pt x="1886516" y="1219200"/>
-                </a:cubicBezTo>
-                <a:cubicBezTo>
-                  <a:pt x="1864429" y="1338470"/>
-                  <a:pt x="1416064" y="1303130"/>
-                  <a:pt x="1488951" y="1311965"/>
-                </a:cubicBezTo>
-              </a:path>
-            </a:pathLst>
-          </a:custGeom>
-          <a:noFill/>
-        </p:spPr>
-        <p:style>
-          <a:lnRef idx="2">
-            <a:schemeClr val="accent1">
-              <a:shade val="50000"/>
-            </a:schemeClr>
-          </a:lnRef>
-          <a:fillRef idx="1">
-            <a:schemeClr val="accent1"/>
-          </a:fillRef>
-          <a:effectRef idx="0">
-            <a:schemeClr val="accent1"/>
-          </a:effectRef>
-          <a:fontRef idx="minor">
-            <a:schemeClr val="lt1"/>
-          </a:fontRef>
-        </p:style>
-        <p:txBody>
-          <a:bodyPr rtlCol="0" anchor="ctr"/>
-          <a:lstStyle/>
-          <a:p>
-            <a:pPr algn="ctr"/>
-            <a:endParaRPr lang="pt-BR"/>
-          </a:p>
-        </p:txBody>
-      </p:sp>
-      <p:sp>
-        <p:nvSpPr>
-          <p:cNvPr id="15" name="CaixaDeTexto 14"/>
-          <p:cNvSpPr txBox="1"/>
-          <p:nvPr/>
-        </p:nvSpPr>
-        <p:spPr>
-          <a:xfrm>
-            <a:off x="4093027" y="4818741"/>
-            <a:ext cx="3454401" cy="1477328"/>
-          </a:xfrm>
-          <a:prstGeom prst="rect">
-            <a:avLst/>
-          </a:prstGeom>
-          <a:noFill/>
-        </p:spPr>
-        <p:txBody>
-          <a:bodyPr wrap="square" rtlCol="0">
-            <a:spAutoFit/>
-          </a:bodyPr>
-          <a:lstStyle/>
-          <a:p>
-            <a:pPr>
-              <a:buFont typeface="Arial" pitchFamily="34" charset="0"/>
-              <a:buChar char="•"/>
-            </a:pPr>
-            <a:r>
-              <a:rPr lang="pt-BR" dirty="0" smtClean="0"/>
-              <a:t>  REALIZA  O CONTRO DE ESTOQUE</a:t>
-            </a:r>
-          </a:p>
-          <a:p>
-            <a:pPr>
-              <a:buFont typeface="Arial" pitchFamily="34" charset="0"/>
-              <a:buChar char="•"/>
-            </a:pPr>
-            <a:endParaRPr lang="pt-BR" dirty="0" smtClean="0"/>
-          </a:p>
-          <a:p>
-            <a:pPr>
-              <a:buFont typeface="Arial" pitchFamily="34" charset="0"/>
-              <a:buChar char="•"/>
-            </a:pPr>
-            <a:endParaRPr lang="pt-BR" dirty="0" smtClean="0"/>
-          </a:p>
-          <a:p>
-            <a:pPr>
-              <a:buFont typeface="Arial" pitchFamily="34" charset="0"/>
-              <a:buChar char="•"/>
-            </a:pPr>
-            <a:endParaRPr lang="pt-BR" dirty="0" smtClean="0"/>
-          </a:p>
-        </p:txBody>
-      </p:sp>
-      <p:sp>
-        <p:nvSpPr>
-          <p:cNvPr id="17" name="CaixaDeTexto 16"/>
-          <p:cNvSpPr txBox="1"/>
-          <p:nvPr/>
-        </p:nvSpPr>
-        <p:spPr>
-          <a:xfrm>
-            <a:off x="4775200" y="3120573"/>
-            <a:ext cx="1930400" cy="369332"/>
-          </a:xfrm>
-          <a:prstGeom prst="rect">
-            <a:avLst/>
-          </a:prstGeom>
-          <a:noFill/>
-        </p:spPr>
-        <p:txBody>
-          <a:bodyPr wrap="square" rtlCol="0">
-            <a:spAutoFit/>
-          </a:bodyPr>
-          <a:lstStyle/>
-          <a:p>
-            <a:r>
-              <a:rPr lang="pt-BR" dirty="0" smtClean="0"/>
-              <a:t>COORDENADOR</a:t>
-            </a:r>
-            <a:endParaRPr lang="pt-BR" dirty="0"/>
-          </a:p>
-        </p:txBody>
-      </p:sp>
-    </p:spTree>
   </p:cSld>
   <p:clrMapOvr>
     <a:masterClrMapping/>
@@ -6938,7 +6287,7 @@
   <a:extraClrSchemeLst/>
   <a:extLst>
     <a:ext uri="{05A4C25C-085E-4340-85A3-A5531E510DB2}">
-      <thm15:themeFamily xmlns:thm15="http://schemas.microsoft.com/office/thememl/2012/main" xmlns="" name="Office Theme" id="{62F939B6-93AF-4DB8-9C6B-D6C7DFDC589F}" vid="{4A3C46E8-61CC-4603-A589-7422A47A8E4A}"/>
+      <thm15:themeFamily xmlns="" xmlns:thm15="http://schemas.microsoft.com/office/thememl/2012/main" name="Office Theme" id="{62F939B6-93AF-4DB8-9C6B-D6C7DFDC589F}" vid="{4A3C46E8-61CC-4603-A589-7422A47A8E4A}"/>
     </a:ext>
   </a:extLst>
 </a:theme>
